--- a/UI디자인.pptx
+++ b/UI디자인.pptx
@@ -6,11 +6,14 @@
   </p:sldMasterIdLst>
   <p:sldIdLst>
     <p:sldId id="256" r:id="rId2"/>
-    <p:sldId id="257" r:id="rId3"/>
-    <p:sldId id="258" r:id="rId4"/>
-    <p:sldId id="259" r:id="rId5"/>
-    <p:sldId id="260" r:id="rId6"/>
-    <p:sldId id="261" r:id="rId7"/>
+    <p:sldId id="264" r:id="rId3"/>
+    <p:sldId id="257" r:id="rId4"/>
+    <p:sldId id="258" r:id="rId5"/>
+    <p:sldId id="259" r:id="rId6"/>
+    <p:sldId id="260" r:id="rId7"/>
+    <p:sldId id="262" r:id="rId8"/>
+    <p:sldId id="261" r:id="rId9"/>
+    <p:sldId id="263" r:id="rId10"/>
   </p:sldIdLst>
   <p:sldSz cx="12192000" cy="6858000"/>
   <p:notesSz cx="6858000" cy="9144000"/>
@@ -264,7 +267,7 @@
           <a:p>
             <a:fld id="{D2C8BAFF-EEDC-4CE5-926D-CC2C3C07044C}" type="datetimeFigureOut">
               <a:rPr lang="ko-KR" altLang="en-US" smtClean="0"/>
-              <a:t>2024-04-24</a:t>
+              <a:t>2024-04-26</a:t>
             </a:fld>
             <a:endParaRPr lang="ko-KR" altLang="en-US"/>
           </a:p>
@@ -462,7 +465,7 @@
           <a:p>
             <a:fld id="{D2C8BAFF-EEDC-4CE5-926D-CC2C3C07044C}" type="datetimeFigureOut">
               <a:rPr lang="ko-KR" altLang="en-US" smtClean="0"/>
-              <a:t>2024-04-24</a:t>
+              <a:t>2024-04-26</a:t>
             </a:fld>
             <a:endParaRPr lang="ko-KR" altLang="en-US"/>
           </a:p>
@@ -670,7 +673,7 @@
           <a:p>
             <a:fld id="{D2C8BAFF-EEDC-4CE5-926D-CC2C3C07044C}" type="datetimeFigureOut">
               <a:rPr lang="ko-KR" altLang="en-US" smtClean="0"/>
-              <a:t>2024-04-24</a:t>
+              <a:t>2024-04-26</a:t>
             </a:fld>
             <a:endParaRPr lang="ko-KR" altLang="en-US"/>
           </a:p>
@@ -868,7 +871,7 @@
           <a:p>
             <a:fld id="{D2C8BAFF-EEDC-4CE5-926D-CC2C3C07044C}" type="datetimeFigureOut">
               <a:rPr lang="ko-KR" altLang="en-US" smtClean="0"/>
-              <a:t>2024-04-24</a:t>
+              <a:t>2024-04-26</a:t>
             </a:fld>
             <a:endParaRPr lang="ko-KR" altLang="en-US"/>
           </a:p>
@@ -1143,7 +1146,7 @@
           <a:p>
             <a:fld id="{D2C8BAFF-EEDC-4CE5-926D-CC2C3C07044C}" type="datetimeFigureOut">
               <a:rPr lang="ko-KR" altLang="en-US" smtClean="0"/>
-              <a:t>2024-04-24</a:t>
+              <a:t>2024-04-26</a:t>
             </a:fld>
             <a:endParaRPr lang="ko-KR" altLang="en-US"/>
           </a:p>
@@ -1408,7 +1411,7 @@
           <a:p>
             <a:fld id="{D2C8BAFF-EEDC-4CE5-926D-CC2C3C07044C}" type="datetimeFigureOut">
               <a:rPr lang="ko-KR" altLang="en-US" smtClean="0"/>
-              <a:t>2024-04-24</a:t>
+              <a:t>2024-04-26</a:t>
             </a:fld>
             <a:endParaRPr lang="ko-KR" altLang="en-US"/>
           </a:p>
@@ -1820,7 +1823,7 @@
           <a:p>
             <a:fld id="{D2C8BAFF-EEDC-4CE5-926D-CC2C3C07044C}" type="datetimeFigureOut">
               <a:rPr lang="ko-KR" altLang="en-US" smtClean="0"/>
-              <a:t>2024-04-24</a:t>
+              <a:t>2024-04-26</a:t>
             </a:fld>
             <a:endParaRPr lang="ko-KR" altLang="en-US"/>
           </a:p>
@@ -1961,7 +1964,7 @@
           <a:p>
             <a:fld id="{D2C8BAFF-EEDC-4CE5-926D-CC2C3C07044C}" type="datetimeFigureOut">
               <a:rPr lang="ko-KR" altLang="en-US" smtClean="0"/>
-              <a:t>2024-04-24</a:t>
+              <a:t>2024-04-26</a:t>
             </a:fld>
             <a:endParaRPr lang="ko-KR" altLang="en-US"/>
           </a:p>
@@ -2074,7 +2077,7 @@
           <a:p>
             <a:fld id="{D2C8BAFF-EEDC-4CE5-926D-CC2C3C07044C}" type="datetimeFigureOut">
               <a:rPr lang="ko-KR" altLang="en-US" smtClean="0"/>
-              <a:t>2024-04-24</a:t>
+              <a:t>2024-04-26</a:t>
             </a:fld>
             <a:endParaRPr lang="ko-KR" altLang="en-US"/>
           </a:p>
@@ -2385,7 +2388,7 @@
           <a:p>
             <a:fld id="{D2C8BAFF-EEDC-4CE5-926D-CC2C3C07044C}" type="datetimeFigureOut">
               <a:rPr lang="ko-KR" altLang="en-US" smtClean="0"/>
-              <a:t>2024-04-24</a:t>
+              <a:t>2024-04-26</a:t>
             </a:fld>
             <a:endParaRPr lang="ko-KR" altLang="en-US"/>
           </a:p>
@@ -2673,7 +2676,7 @@
           <a:p>
             <a:fld id="{D2C8BAFF-EEDC-4CE5-926D-CC2C3C07044C}" type="datetimeFigureOut">
               <a:rPr lang="ko-KR" altLang="en-US" smtClean="0"/>
-              <a:t>2024-04-24</a:t>
+              <a:t>2024-04-26</a:t>
             </a:fld>
             <a:endParaRPr lang="ko-KR" altLang="en-US"/>
           </a:p>
@@ -2914,7 +2917,7 @@
           <a:p>
             <a:fld id="{D2C8BAFF-EEDC-4CE5-926D-CC2C3C07044C}" type="datetimeFigureOut">
               <a:rPr lang="ko-KR" altLang="en-US" smtClean="0"/>
-              <a:t>2024-04-24</a:t>
+              <a:t>2024-04-26</a:t>
             </a:fld>
             <a:endParaRPr lang="ko-KR" altLang="en-US"/>
           </a:p>
@@ -3457,6 +3460,55 @@
           </a:p>
         </p:txBody>
       </p:sp>
+      <p:sp>
+        <p:nvSpPr>
+          <p:cNvPr id="2" name="직사각형 1">
+            <a:extLst>
+              <a:ext uri="{FF2B5EF4-FFF2-40B4-BE49-F238E27FC236}">
+                <a16:creationId xmlns:a16="http://schemas.microsoft.com/office/drawing/2014/main" id="{C2D8566F-AE0E-2F88-440A-B67121B100FB}"/>
+              </a:ext>
+            </a:extLst>
+          </p:cNvPr>
+          <p:cNvSpPr/>
+          <p:nvPr/>
+        </p:nvSpPr>
+        <p:spPr>
+          <a:xfrm>
+            <a:off x="411802" y="522513"/>
+            <a:ext cx="1457191" cy="502418"/>
+          </a:xfrm>
+          <a:prstGeom prst="rect">
+            <a:avLst/>
+          </a:prstGeom>
+        </p:spPr>
+        <p:style>
+          <a:lnRef idx="2">
+            <a:schemeClr val="accent1">
+              <a:shade val="15000"/>
+            </a:schemeClr>
+          </a:lnRef>
+          <a:fillRef idx="1">
+            <a:schemeClr val="accent1"/>
+          </a:fillRef>
+          <a:effectRef idx="0">
+            <a:schemeClr val="accent1"/>
+          </a:effectRef>
+          <a:fontRef idx="minor">
+            <a:schemeClr val="lt1"/>
+          </a:fontRef>
+        </p:style>
+        <p:txBody>
+          <a:bodyPr rtlCol="0" anchor="ctr"/>
+          <a:lstStyle/>
+          <a:p>
+            <a:pPr algn="ctr"/>
+            <a:r>
+              <a:rPr lang="ko-KR" altLang="en-US" dirty="0"/>
+              <a:t>첫 화면</a:t>
+            </a:r>
+          </a:p>
+        </p:txBody>
+      </p:sp>
     </p:spTree>
     <p:extLst>
       <p:ext uri="{BB962C8B-B14F-4D97-AF65-F5344CB8AC3E}">
@@ -3489,10 +3541,10 @@
       </p:grpSpPr>
       <p:pic>
         <p:nvPicPr>
-          <p:cNvPr id="4" name="그림 3">
-            <a:extLst>
-              <a:ext uri="{FF2B5EF4-FFF2-40B4-BE49-F238E27FC236}">
-                <a16:creationId xmlns:a16="http://schemas.microsoft.com/office/drawing/2014/main" id="{54542043-F639-53BB-DD52-318B775231D3}"/>
+          <p:cNvPr id="8" name="그림 7">
+            <a:extLst>
+              <a:ext uri="{FF2B5EF4-FFF2-40B4-BE49-F238E27FC236}">
+                <a16:creationId xmlns:a16="http://schemas.microsoft.com/office/drawing/2014/main" id="{184AE3D4-3394-31CE-5FC4-0118BD14423E}"/>
               </a:ext>
             </a:extLst>
           </p:cNvPr>
@@ -3519,10 +3571,10 @@
       </p:pic>
       <p:sp>
         <p:nvSpPr>
-          <p:cNvPr id="5" name="직사각형 4">
-            <a:extLst>
-              <a:ext uri="{FF2B5EF4-FFF2-40B4-BE49-F238E27FC236}">
-                <a16:creationId xmlns:a16="http://schemas.microsoft.com/office/drawing/2014/main" id="{93A7FD4F-8966-23E2-EF40-32ED4F93EF82}"/>
+          <p:cNvPr id="10" name="직사각형 9">
+            <a:extLst>
+              <a:ext uri="{FF2B5EF4-FFF2-40B4-BE49-F238E27FC236}">
+                <a16:creationId xmlns:a16="http://schemas.microsoft.com/office/drawing/2014/main" id="{1BF3363B-A27A-4E81-932D-5B7113E2A187}"/>
               </a:ext>
             </a:extLst>
           </p:cNvPr>
@@ -3531,7 +3583,7 @@
         </p:nvSpPr>
         <p:spPr>
           <a:xfrm>
-            <a:off x="2321169" y="4925363"/>
+            <a:off x="4210259" y="4754545"/>
             <a:ext cx="2783394" cy="502418"/>
           </a:xfrm>
           <a:prstGeom prst="rect">
@@ -3561,17 +3613,17 @@
             <a:pPr algn="ctr"/>
             <a:r>
               <a:rPr lang="ko-KR" altLang="en-US" dirty="0"/>
-              <a:t>매칭</a:t>
-            </a:r>
-          </a:p>
-        </p:txBody>
-      </p:sp>
-      <p:sp>
-        <p:nvSpPr>
-          <p:cNvPr id="6" name="직사각형 5">
-            <a:extLst>
-              <a:ext uri="{FF2B5EF4-FFF2-40B4-BE49-F238E27FC236}">
-                <a16:creationId xmlns:a16="http://schemas.microsoft.com/office/drawing/2014/main" id="{CD4C1534-9814-7A06-CFE7-58917C87D51D}"/>
+              <a:t>회원 가입 버튼</a:t>
+            </a:r>
+          </a:p>
+        </p:txBody>
+      </p:sp>
+      <p:sp>
+        <p:nvSpPr>
+          <p:cNvPr id="2" name="직사각형 1">
+            <a:extLst>
+              <a:ext uri="{FF2B5EF4-FFF2-40B4-BE49-F238E27FC236}">
+                <a16:creationId xmlns:a16="http://schemas.microsoft.com/office/drawing/2014/main" id="{FEC3492F-0681-5733-2A0B-A006143BB454}"/>
               </a:ext>
             </a:extLst>
           </p:cNvPr>
@@ -3580,108 +3632,10 @@
         </p:nvSpPr>
         <p:spPr>
           <a:xfrm>
-            <a:off x="6260121" y="4242916"/>
-            <a:ext cx="2783394" cy="502418"/>
+            <a:off x="411802" y="522512"/>
+            <a:ext cx="1457191" cy="1507009"/>
           </a:xfrm>
           <a:prstGeom prst="rect">
-            <a:avLst/>
-          </a:prstGeom>
-        </p:spPr>
-        <p:style>
-          <a:lnRef idx="2">
-            <a:schemeClr val="dk1">
-              <a:shade val="15000"/>
-            </a:schemeClr>
-          </a:lnRef>
-          <a:fillRef idx="1">
-            <a:schemeClr val="dk1"/>
-          </a:fillRef>
-          <a:effectRef idx="0">
-            <a:schemeClr val="dk1"/>
-          </a:effectRef>
-          <a:fontRef idx="minor">
-            <a:schemeClr val="lt1"/>
-          </a:fontRef>
-        </p:style>
-        <p:txBody>
-          <a:bodyPr rtlCol="0" anchor="ctr"/>
-          <a:lstStyle/>
-          <a:p>
-            <a:pPr algn="ctr"/>
-            <a:r>
-              <a:rPr lang="ko-KR" altLang="en-US" dirty="0"/>
-              <a:t>학교 게시판</a:t>
-            </a:r>
-          </a:p>
-        </p:txBody>
-      </p:sp>
-      <p:sp>
-        <p:nvSpPr>
-          <p:cNvPr id="7" name="직사각형 6">
-            <a:extLst>
-              <a:ext uri="{FF2B5EF4-FFF2-40B4-BE49-F238E27FC236}">
-                <a16:creationId xmlns:a16="http://schemas.microsoft.com/office/drawing/2014/main" id="{9C92CE8A-B259-71DD-1281-68C6B5DC3BB7}"/>
-              </a:ext>
-            </a:extLst>
-          </p:cNvPr>
-          <p:cNvSpPr/>
-          <p:nvPr/>
-        </p:nvSpPr>
-        <p:spPr>
-          <a:xfrm>
-            <a:off x="6260121" y="3630805"/>
-            <a:ext cx="2783394" cy="502418"/>
-          </a:xfrm>
-          <a:prstGeom prst="rect">
-            <a:avLst/>
-          </a:prstGeom>
-        </p:spPr>
-        <p:style>
-          <a:lnRef idx="2">
-            <a:schemeClr val="dk1">
-              <a:shade val="15000"/>
-            </a:schemeClr>
-          </a:lnRef>
-          <a:fillRef idx="1">
-            <a:schemeClr val="dk1"/>
-          </a:fillRef>
-          <a:effectRef idx="0">
-            <a:schemeClr val="dk1"/>
-          </a:effectRef>
-          <a:fontRef idx="minor">
-            <a:schemeClr val="lt1"/>
-          </a:fontRef>
-        </p:style>
-        <p:txBody>
-          <a:bodyPr rtlCol="0" anchor="ctr"/>
-          <a:lstStyle/>
-          <a:p>
-            <a:pPr algn="ctr"/>
-            <a:r>
-              <a:rPr lang="ko-KR" altLang="en-US" dirty="0"/>
-              <a:t>전체 게시판</a:t>
-            </a:r>
-          </a:p>
-        </p:txBody>
-      </p:sp>
-      <p:sp>
-        <p:nvSpPr>
-          <p:cNvPr id="8" name="타원 7">
-            <a:extLst>
-              <a:ext uri="{FF2B5EF4-FFF2-40B4-BE49-F238E27FC236}">
-                <a16:creationId xmlns:a16="http://schemas.microsoft.com/office/drawing/2014/main" id="{0A9D2FB8-4B80-F1F5-A9B8-162090199FE8}"/>
-              </a:ext>
-            </a:extLst>
-          </p:cNvPr>
-          <p:cNvSpPr/>
-          <p:nvPr/>
-        </p:nvSpPr>
-        <p:spPr>
-          <a:xfrm>
-            <a:off x="6792684" y="1276140"/>
-            <a:ext cx="1718269" cy="1738365"/>
-          </a:xfrm>
-          <a:prstGeom prst="ellipse">
             <a:avLst/>
           </a:prstGeom>
         </p:spPr>
@@ -3708,36 +3662,25 @@
             <a:pPr algn="ctr"/>
             <a:r>
               <a:rPr lang="ko-KR" altLang="en-US" dirty="0"/>
-              <a:t>현재 랭킹 </a:t>
-            </a:r>
-            <a:br>
+              <a:t>아이디가 </a:t>
+            </a:r>
+            <a:r>
               <a:rPr lang="en-US" altLang="ko-KR" dirty="0"/>
-            </a:br>
-            <a:r>
-              <a:rPr lang="en-US" altLang="ko-KR" dirty="0"/>
-              <a:t>1</a:t>
+              <a:t>DB</a:t>
             </a:r>
             <a:r>
               <a:rPr lang="ko-KR" altLang="en-US" dirty="0"/>
-              <a:t>위 학교</a:t>
-            </a:r>
-            <a:br>
-              <a:rPr lang="en-US" altLang="ko-KR" dirty="0"/>
-            </a:br>
-            <a:r>
-              <a:rPr lang="ko-KR" altLang="en-US" dirty="0" err="1"/>
-              <a:t>엠블럼</a:t>
-            </a:r>
-            <a:endParaRPr lang="ko-KR" altLang="en-US" dirty="0"/>
-          </a:p>
-        </p:txBody>
-      </p:sp>
-      <p:sp>
-        <p:nvSpPr>
-          <p:cNvPr id="9" name="직사각형 8">
-            <a:extLst>
-              <a:ext uri="{FF2B5EF4-FFF2-40B4-BE49-F238E27FC236}">
-                <a16:creationId xmlns:a16="http://schemas.microsoft.com/office/drawing/2014/main" id="{0557E3BE-19C4-9EF3-A43F-50C714303518}"/>
+              <a:t>에 없으면</a:t>
+            </a:r>
+          </a:p>
+        </p:txBody>
+      </p:sp>
+      <p:sp>
+        <p:nvSpPr>
+          <p:cNvPr id="3" name="타원 2">
+            <a:extLst>
+              <a:ext uri="{FF2B5EF4-FFF2-40B4-BE49-F238E27FC236}">
+                <a16:creationId xmlns:a16="http://schemas.microsoft.com/office/drawing/2014/main" id="{C3B91015-8051-84BD-049C-4F6E8973ED67}"/>
               </a:ext>
             </a:extLst>
           </p:cNvPr>
@@ -3746,106 +3689,8 @@
         </p:nvSpPr>
         <p:spPr>
           <a:xfrm>
-            <a:off x="6260121" y="4855027"/>
-            <a:ext cx="2783394" cy="502418"/>
-          </a:xfrm>
-          <a:prstGeom prst="rect">
-            <a:avLst/>
-          </a:prstGeom>
-        </p:spPr>
-        <p:style>
-          <a:lnRef idx="2">
-            <a:schemeClr val="dk1">
-              <a:shade val="15000"/>
-            </a:schemeClr>
-          </a:lnRef>
-          <a:fillRef idx="1">
-            <a:schemeClr val="dk1"/>
-          </a:fillRef>
-          <a:effectRef idx="0">
-            <a:schemeClr val="dk1"/>
-          </a:effectRef>
-          <a:fontRef idx="minor">
-            <a:schemeClr val="lt1"/>
-          </a:fontRef>
-        </p:style>
-        <p:txBody>
-          <a:bodyPr rtlCol="0" anchor="ctr"/>
-          <a:lstStyle/>
-          <a:p>
-            <a:pPr algn="ctr"/>
-            <a:r>
-              <a:rPr lang="ko-KR" altLang="en-US" dirty="0"/>
-              <a:t>친구 추가</a:t>
-            </a:r>
-          </a:p>
-        </p:txBody>
-      </p:sp>
-      <p:sp>
-        <p:nvSpPr>
-          <p:cNvPr id="10" name="직사각형 9">
-            <a:extLst>
-              <a:ext uri="{FF2B5EF4-FFF2-40B4-BE49-F238E27FC236}">
-                <a16:creationId xmlns:a16="http://schemas.microsoft.com/office/drawing/2014/main" id="{9C0B3ECC-BE93-CBE3-7FF7-19C5F1ECCE73}"/>
-              </a:ext>
-            </a:extLst>
-          </p:cNvPr>
-          <p:cNvSpPr/>
-          <p:nvPr/>
-        </p:nvSpPr>
-        <p:spPr>
-          <a:xfrm>
-            <a:off x="2321169" y="4254638"/>
-            <a:ext cx="2783394" cy="502418"/>
-          </a:xfrm>
-          <a:prstGeom prst="rect">
-            <a:avLst/>
-          </a:prstGeom>
-        </p:spPr>
-        <p:style>
-          <a:lnRef idx="2">
-            <a:schemeClr val="dk1">
-              <a:shade val="15000"/>
-            </a:schemeClr>
-          </a:lnRef>
-          <a:fillRef idx="1">
-            <a:schemeClr val="dk1"/>
-          </a:fillRef>
-          <a:effectRef idx="0">
-            <a:schemeClr val="dk1"/>
-          </a:effectRef>
-          <a:fontRef idx="minor">
-            <a:schemeClr val="lt1"/>
-          </a:fontRef>
-        </p:style>
-        <p:txBody>
-          <a:bodyPr rtlCol="0" anchor="ctr"/>
-          <a:lstStyle/>
-          <a:p>
-            <a:pPr algn="ctr"/>
-            <a:r>
-              <a:rPr lang="ko-KR" altLang="en-US" dirty="0"/>
-              <a:t>방 만들기</a:t>
-            </a:r>
-          </a:p>
-        </p:txBody>
-      </p:sp>
-      <p:sp>
-        <p:nvSpPr>
-          <p:cNvPr id="11" name="타원 10">
-            <a:extLst>
-              <a:ext uri="{FF2B5EF4-FFF2-40B4-BE49-F238E27FC236}">
-                <a16:creationId xmlns:a16="http://schemas.microsoft.com/office/drawing/2014/main" id="{B1410F72-EFDE-A974-2534-C0FDA4E25A40}"/>
-              </a:ext>
-            </a:extLst>
-          </p:cNvPr>
-          <p:cNvSpPr/>
-          <p:nvPr/>
-        </p:nvSpPr>
-        <p:spPr>
-          <a:xfrm>
-            <a:off x="2582427" y="1182774"/>
-            <a:ext cx="2411604" cy="2411604"/>
+            <a:off x="2778368" y="1054463"/>
+            <a:ext cx="1245997" cy="1230924"/>
           </a:xfrm>
           <a:prstGeom prst="ellipse">
             <a:avLst/>
@@ -3874,23 +3719,226 @@
             <a:pPr algn="ctr"/>
             <a:r>
               <a:rPr lang="ko-KR" altLang="en-US" dirty="0"/>
-              <a:t>본인 학교</a:t>
-            </a:r>
-            <a:br>
-              <a:rPr lang="en-US" altLang="ko-KR" dirty="0"/>
-            </a:br>
+              <a:t>학교 </a:t>
+            </a:r>
             <a:r>
               <a:rPr lang="ko-KR" altLang="en-US" dirty="0" err="1"/>
               <a:t>엠블럼</a:t>
             </a:r>
             <a:endParaRPr lang="ko-KR" altLang="en-US" dirty="0"/>
+          </a:p>
+        </p:txBody>
+      </p:sp>
+      <p:sp>
+        <p:nvSpPr>
+          <p:cNvPr id="4" name="타원 3">
+            <a:extLst>
+              <a:ext uri="{FF2B5EF4-FFF2-40B4-BE49-F238E27FC236}">
+                <a16:creationId xmlns:a16="http://schemas.microsoft.com/office/drawing/2014/main" id="{8C3B4A08-F146-4F90-75C9-C594ABB016F0}"/>
+              </a:ext>
+            </a:extLst>
+          </p:cNvPr>
+          <p:cNvSpPr/>
+          <p:nvPr/>
+        </p:nvSpPr>
+        <p:spPr>
+          <a:xfrm>
+            <a:off x="4978957" y="1054463"/>
+            <a:ext cx="1245997" cy="1230924"/>
+          </a:xfrm>
+          <a:prstGeom prst="ellipse">
+            <a:avLst/>
+          </a:prstGeom>
+        </p:spPr>
+        <p:style>
+          <a:lnRef idx="2">
+            <a:schemeClr val="accent1">
+              <a:shade val="15000"/>
+            </a:schemeClr>
+          </a:lnRef>
+          <a:fillRef idx="1">
+            <a:schemeClr val="accent1"/>
+          </a:fillRef>
+          <a:effectRef idx="0">
+            <a:schemeClr val="accent1"/>
+          </a:effectRef>
+          <a:fontRef idx="minor">
+            <a:schemeClr val="lt1"/>
+          </a:fontRef>
+        </p:style>
+        <p:txBody>
+          <a:bodyPr rtlCol="0" anchor="ctr"/>
+          <a:lstStyle/>
+          <a:p>
+            <a:pPr algn="ctr"/>
+            <a:r>
+              <a:rPr lang="ko-KR" altLang="en-US" dirty="0"/>
+              <a:t>학교 </a:t>
+            </a:r>
+            <a:r>
+              <a:rPr lang="ko-KR" altLang="en-US" dirty="0" err="1"/>
+              <a:t>엠블럼</a:t>
+            </a:r>
+            <a:endParaRPr lang="ko-KR" altLang="en-US" dirty="0"/>
+          </a:p>
+        </p:txBody>
+      </p:sp>
+      <p:sp>
+        <p:nvSpPr>
+          <p:cNvPr id="5" name="타원 4">
+            <a:extLst>
+              <a:ext uri="{FF2B5EF4-FFF2-40B4-BE49-F238E27FC236}">
+                <a16:creationId xmlns:a16="http://schemas.microsoft.com/office/drawing/2014/main" id="{38483D54-7A2E-8864-B5FE-A387BD6050BF}"/>
+              </a:ext>
+            </a:extLst>
+          </p:cNvPr>
+          <p:cNvSpPr/>
+          <p:nvPr/>
+        </p:nvSpPr>
+        <p:spPr>
+          <a:xfrm>
+            <a:off x="7136751" y="1054463"/>
+            <a:ext cx="1245997" cy="1230924"/>
+          </a:xfrm>
+          <a:prstGeom prst="ellipse">
+            <a:avLst/>
+          </a:prstGeom>
+        </p:spPr>
+        <p:style>
+          <a:lnRef idx="2">
+            <a:schemeClr val="accent1">
+              <a:shade val="15000"/>
+            </a:schemeClr>
+          </a:lnRef>
+          <a:fillRef idx="1">
+            <a:schemeClr val="accent1"/>
+          </a:fillRef>
+          <a:effectRef idx="0">
+            <a:schemeClr val="accent1"/>
+          </a:effectRef>
+          <a:fontRef idx="minor">
+            <a:schemeClr val="lt1"/>
+          </a:fontRef>
+        </p:style>
+        <p:txBody>
+          <a:bodyPr rtlCol="0" anchor="ctr"/>
+          <a:lstStyle/>
+          <a:p>
+            <a:pPr algn="ctr"/>
+            <a:r>
+              <a:rPr lang="ko-KR" altLang="en-US" dirty="0"/>
+              <a:t>학교 </a:t>
+            </a:r>
+            <a:r>
+              <a:rPr lang="ko-KR" altLang="en-US" dirty="0" err="1"/>
+              <a:t>엠블럼</a:t>
+            </a:r>
+            <a:endParaRPr lang="ko-KR" altLang="en-US" dirty="0"/>
+          </a:p>
+        </p:txBody>
+      </p:sp>
+      <p:sp>
+        <p:nvSpPr>
+          <p:cNvPr id="6" name="사각형: 둥근 모서리 5">
+            <a:extLst>
+              <a:ext uri="{FF2B5EF4-FFF2-40B4-BE49-F238E27FC236}">
+                <a16:creationId xmlns:a16="http://schemas.microsoft.com/office/drawing/2014/main" id="{BCE5F0C5-29C4-9600-DC62-B7268944096F}"/>
+              </a:ext>
+            </a:extLst>
+          </p:cNvPr>
+          <p:cNvSpPr/>
+          <p:nvPr/>
+        </p:nvSpPr>
+        <p:spPr>
+          <a:xfrm>
+            <a:off x="3891776" y="3088888"/>
+            <a:ext cx="1245997" cy="999118"/>
+          </a:xfrm>
+          <a:prstGeom prst="roundRect">
+            <a:avLst/>
+          </a:prstGeom>
+        </p:spPr>
+        <p:style>
+          <a:lnRef idx="2">
+            <a:schemeClr val="accent1">
+              <a:shade val="15000"/>
+            </a:schemeClr>
+          </a:lnRef>
+          <a:fillRef idx="1">
+            <a:schemeClr val="accent1"/>
+          </a:fillRef>
+          <a:effectRef idx="0">
+            <a:schemeClr val="accent1"/>
+          </a:effectRef>
+          <a:fontRef idx="minor">
+            <a:schemeClr val="lt1"/>
+          </a:fontRef>
+        </p:style>
+        <p:txBody>
+          <a:bodyPr rtlCol="0" anchor="ctr"/>
+          <a:lstStyle/>
+          <a:p>
+            <a:pPr algn="ctr"/>
+            <a:r>
+              <a:rPr lang="ko-KR" altLang="en-US"/>
+              <a:t>남자</a:t>
+            </a:r>
+          </a:p>
+        </p:txBody>
+      </p:sp>
+      <p:sp>
+        <p:nvSpPr>
+          <p:cNvPr id="7" name="사각형: 둥근 모서리 6">
+            <a:extLst>
+              <a:ext uri="{FF2B5EF4-FFF2-40B4-BE49-F238E27FC236}">
+                <a16:creationId xmlns:a16="http://schemas.microsoft.com/office/drawing/2014/main" id="{E4DC0371-0CAB-1FAE-A8B1-2B56C820ECD1}"/>
+              </a:ext>
+            </a:extLst>
+          </p:cNvPr>
+          <p:cNvSpPr/>
+          <p:nvPr/>
+        </p:nvSpPr>
+        <p:spPr>
+          <a:xfrm>
+            <a:off x="5985460" y="3068036"/>
+            <a:ext cx="1245997" cy="999118"/>
+          </a:xfrm>
+          <a:prstGeom prst="roundRect">
+            <a:avLst/>
+          </a:prstGeom>
+        </p:spPr>
+        <p:style>
+          <a:lnRef idx="2">
+            <a:schemeClr val="accent1">
+              <a:shade val="15000"/>
+            </a:schemeClr>
+          </a:lnRef>
+          <a:fillRef idx="1">
+            <a:schemeClr val="accent1"/>
+          </a:fillRef>
+          <a:effectRef idx="0">
+            <a:schemeClr val="accent1"/>
+          </a:effectRef>
+          <a:fontRef idx="minor">
+            <a:schemeClr val="lt1"/>
+          </a:fontRef>
+        </p:style>
+        <p:txBody>
+          <a:bodyPr rtlCol="0" anchor="ctr"/>
+          <a:lstStyle/>
+          <a:p>
+            <a:pPr algn="ctr"/>
+            <a:r>
+              <a:rPr lang="ko-KR" altLang="en-US" dirty="0"/>
+              <a:t>여자</a:t>
+            </a:r>
           </a:p>
         </p:txBody>
       </p:sp>
     </p:spTree>
     <p:extLst>
       <p:ext uri="{BB962C8B-B14F-4D97-AF65-F5344CB8AC3E}">
-        <p14:creationId xmlns:p14="http://schemas.microsoft.com/office/powerpoint/2010/main" val="2913148477"/>
+        <p14:creationId xmlns:p14="http://schemas.microsoft.com/office/powerpoint/2010/main" val="2071433026"/>
       </p:ext>
     </p:extLst>
   </p:cSld>
@@ -3947,10 +3995,425 @@
           </a:prstGeom>
         </p:spPr>
       </p:pic>
+      <p:sp>
+        <p:nvSpPr>
+          <p:cNvPr id="5" name="직사각형 4">
+            <a:extLst>
+              <a:ext uri="{FF2B5EF4-FFF2-40B4-BE49-F238E27FC236}">
+                <a16:creationId xmlns:a16="http://schemas.microsoft.com/office/drawing/2014/main" id="{93A7FD4F-8966-23E2-EF40-32ED4F93EF82}"/>
+              </a:ext>
+            </a:extLst>
+          </p:cNvPr>
+          <p:cNvSpPr/>
+          <p:nvPr/>
+        </p:nvSpPr>
+        <p:spPr>
+          <a:xfrm>
+            <a:off x="2321169" y="4925363"/>
+            <a:ext cx="2783394" cy="502418"/>
+          </a:xfrm>
+          <a:prstGeom prst="rect">
+            <a:avLst/>
+          </a:prstGeom>
+        </p:spPr>
+        <p:style>
+          <a:lnRef idx="2">
+            <a:schemeClr val="dk1">
+              <a:shade val="15000"/>
+            </a:schemeClr>
+          </a:lnRef>
+          <a:fillRef idx="1">
+            <a:schemeClr val="dk1"/>
+          </a:fillRef>
+          <a:effectRef idx="0">
+            <a:schemeClr val="dk1"/>
+          </a:effectRef>
+          <a:fontRef idx="minor">
+            <a:schemeClr val="lt1"/>
+          </a:fontRef>
+        </p:style>
+        <p:txBody>
+          <a:bodyPr rtlCol="0" anchor="ctr"/>
+          <a:lstStyle/>
+          <a:p>
+            <a:pPr algn="ctr"/>
+            <a:r>
+              <a:rPr lang="ko-KR" altLang="en-US" dirty="0"/>
+              <a:t>매칭</a:t>
+            </a:r>
+          </a:p>
+        </p:txBody>
+      </p:sp>
+      <p:sp>
+        <p:nvSpPr>
+          <p:cNvPr id="6" name="직사각형 5">
+            <a:extLst>
+              <a:ext uri="{FF2B5EF4-FFF2-40B4-BE49-F238E27FC236}">
+                <a16:creationId xmlns:a16="http://schemas.microsoft.com/office/drawing/2014/main" id="{CD4C1534-9814-7A06-CFE7-58917C87D51D}"/>
+              </a:ext>
+            </a:extLst>
+          </p:cNvPr>
+          <p:cNvSpPr/>
+          <p:nvPr/>
+        </p:nvSpPr>
+        <p:spPr>
+          <a:xfrm>
+            <a:off x="6260121" y="4242916"/>
+            <a:ext cx="2783394" cy="502418"/>
+          </a:xfrm>
+          <a:prstGeom prst="rect">
+            <a:avLst/>
+          </a:prstGeom>
+        </p:spPr>
+        <p:style>
+          <a:lnRef idx="2">
+            <a:schemeClr val="dk1">
+              <a:shade val="15000"/>
+            </a:schemeClr>
+          </a:lnRef>
+          <a:fillRef idx="1">
+            <a:schemeClr val="dk1"/>
+          </a:fillRef>
+          <a:effectRef idx="0">
+            <a:schemeClr val="dk1"/>
+          </a:effectRef>
+          <a:fontRef idx="minor">
+            <a:schemeClr val="lt1"/>
+          </a:fontRef>
+        </p:style>
+        <p:txBody>
+          <a:bodyPr rtlCol="0" anchor="ctr"/>
+          <a:lstStyle/>
+          <a:p>
+            <a:pPr algn="ctr"/>
+            <a:r>
+              <a:rPr lang="ko-KR" altLang="en-US" dirty="0"/>
+              <a:t>학교 게시판</a:t>
+            </a:r>
+          </a:p>
+        </p:txBody>
+      </p:sp>
+      <p:sp>
+        <p:nvSpPr>
+          <p:cNvPr id="7" name="직사각형 6">
+            <a:extLst>
+              <a:ext uri="{FF2B5EF4-FFF2-40B4-BE49-F238E27FC236}">
+                <a16:creationId xmlns:a16="http://schemas.microsoft.com/office/drawing/2014/main" id="{9C92CE8A-B259-71DD-1281-68C6B5DC3BB7}"/>
+              </a:ext>
+            </a:extLst>
+          </p:cNvPr>
+          <p:cNvSpPr/>
+          <p:nvPr/>
+        </p:nvSpPr>
+        <p:spPr>
+          <a:xfrm>
+            <a:off x="6260121" y="3630805"/>
+            <a:ext cx="2783394" cy="502418"/>
+          </a:xfrm>
+          <a:prstGeom prst="rect">
+            <a:avLst/>
+          </a:prstGeom>
+        </p:spPr>
+        <p:style>
+          <a:lnRef idx="2">
+            <a:schemeClr val="dk1">
+              <a:shade val="15000"/>
+            </a:schemeClr>
+          </a:lnRef>
+          <a:fillRef idx="1">
+            <a:schemeClr val="dk1"/>
+          </a:fillRef>
+          <a:effectRef idx="0">
+            <a:schemeClr val="dk1"/>
+          </a:effectRef>
+          <a:fontRef idx="minor">
+            <a:schemeClr val="lt1"/>
+          </a:fontRef>
+        </p:style>
+        <p:txBody>
+          <a:bodyPr rtlCol="0" anchor="ctr"/>
+          <a:lstStyle/>
+          <a:p>
+            <a:pPr algn="ctr"/>
+            <a:r>
+              <a:rPr lang="ko-KR" altLang="en-US" dirty="0"/>
+              <a:t>전체 게시판</a:t>
+            </a:r>
+          </a:p>
+        </p:txBody>
+      </p:sp>
+      <p:sp>
+        <p:nvSpPr>
+          <p:cNvPr id="8" name="타원 7">
+            <a:extLst>
+              <a:ext uri="{FF2B5EF4-FFF2-40B4-BE49-F238E27FC236}">
+                <a16:creationId xmlns:a16="http://schemas.microsoft.com/office/drawing/2014/main" id="{0A9D2FB8-4B80-F1F5-A9B8-162090199FE8}"/>
+              </a:ext>
+            </a:extLst>
+          </p:cNvPr>
+          <p:cNvSpPr/>
+          <p:nvPr/>
+        </p:nvSpPr>
+        <p:spPr>
+          <a:xfrm>
+            <a:off x="6792684" y="1276140"/>
+            <a:ext cx="1718269" cy="1738365"/>
+          </a:xfrm>
+          <a:prstGeom prst="ellipse">
+            <a:avLst/>
+          </a:prstGeom>
+        </p:spPr>
+        <p:style>
+          <a:lnRef idx="1">
+            <a:schemeClr val="dk1"/>
+          </a:lnRef>
+          <a:fillRef idx="2">
+            <a:schemeClr val="dk1"/>
+          </a:fillRef>
+          <a:effectRef idx="1">
+            <a:schemeClr val="dk1"/>
+          </a:effectRef>
+          <a:fontRef idx="minor">
+            <a:schemeClr val="dk1"/>
+          </a:fontRef>
+        </p:style>
+        <p:txBody>
+          <a:bodyPr rtlCol="0" anchor="ctr"/>
+          <a:lstStyle/>
+          <a:p>
+            <a:pPr algn="ctr"/>
+            <a:r>
+              <a:rPr lang="ko-KR" altLang="en-US" dirty="0"/>
+              <a:t>현재 랭킹 </a:t>
+            </a:r>
+            <a:br>
+              <a:rPr lang="en-US" altLang="ko-KR" dirty="0"/>
+            </a:br>
+            <a:r>
+              <a:rPr lang="en-US" altLang="ko-KR" dirty="0"/>
+              <a:t>1</a:t>
+            </a:r>
+            <a:r>
+              <a:rPr lang="ko-KR" altLang="en-US" dirty="0"/>
+              <a:t>위 학교</a:t>
+            </a:r>
+            <a:br>
+              <a:rPr lang="en-US" altLang="ko-KR" dirty="0"/>
+            </a:br>
+            <a:r>
+              <a:rPr lang="ko-KR" altLang="en-US" dirty="0" err="1"/>
+              <a:t>엠블럼</a:t>
+            </a:r>
+            <a:endParaRPr lang="ko-KR" altLang="en-US" dirty="0"/>
+          </a:p>
+        </p:txBody>
+      </p:sp>
+      <p:sp>
+        <p:nvSpPr>
+          <p:cNvPr id="9" name="직사각형 8">
+            <a:extLst>
+              <a:ext uri="{FF2B5EF4-FFF2-40B4-BE49-F238E27FC236}">
+                <a16:creationId xmlns:a16="http://schemas.microsoft.com/office/drawing/2014/main" id="{0557E3BE-19C4-9EF3-A43F-50C714303518}"/>
+              </a:ext>
+            </a:extLst>
+          </p:cNvPr>
+          <p:cNvSpPr/>
+          <p:nvPr/>
+        </p:nvSpPr>
+        <p:spPr>
+          <a:xfrm>
+            <a:off x="6260121" y="4855027"/>
+            <a:ext cx="2783394" cy="502418"/>
+          </a:xfrm>
+          <a:prstGeom prst="rect">
+            <a:avLst/>
+          </a:prstGeom>
+        </p:spPr>
+        <p:style>
+          <a:lnRef idx="2">
+            <a:schemeClr val="dk1">
+              <a:shade val="15000"/>
+            </a:schemeClr>
+          </a:lnRef>
+          <a:fillRef idx="1">
+            <a:schemeClr val="dk1"/>
+          </a:fillRef>
+          <a:effectRef idx="0">
+            <a:schemeClr val="dk1"/>
+          </a:effectRef>
+          <a:fontRef idx="minor">
+            <a:schemeClr val="lt1"/>
+          </a:fontRef>
+        </p:style>
+        <p:txBody>
+          <a:bodyPr rtlCol="0" anchor="ctr"/>
+          <a:lstStyle/>
+          <a:p>
+            <a:pPr algn="ctr"/>
+            <a:r>
+              <a:rPr lang="ko-KR" altLang="en-US" dirty="0"/>
+              <a:t>친구 목록</a:t>
+            </a:r>
+          </a:p>
+        </p:txBody>
+      </p:sp>
+      <p:sp>
+        <p:nvSpPr>
+          <p:cNvPr id="10" name="직사각형 9">
+            <a:extLst>
+              <a:ext uri="{FF2B5EF4-FFF2-40B4-BE49-F238E27FC236}">
+                <a16:creationId xmlns:a16="http://schemas.microsoft.com/office/drawing/2014/main" id="{9C0B3ECC-BE93-CBE3-7FF7-19C5F1ECCE73}"/>
+              </a:ext>
+            </a:extLst>
+          </p:cNvPr>
+          <p:cNvSpPr/>
+          <p:nvPr/>
+        </p:nvSpPr>
+        <p:spPr>
+          <a:xfrm>
+            <a:off x="2321169" y="4254638"/>
+            <a:ext cx="2783394" cy="502418"/>
+          </a:xfrm>
+          <a:prstGeom prst="rect">
+            <a:avLst/>
+          </a:prstGeom>
+        </p:spPr>
+        <p:style>
+          <a:lnRef idx="2">
+            <a:schemeClr val="dk1">
+              <a:shade val="15000"/>
+            </a:schemeClr>
+          </a:lnRef>
+          <a:fillRef idx="1">
+            <a:schemeClr val="dk1"/>
+          </a:fillRef>
+          <a:effectRef idx="0">
+            <a:schemeClr val="dk1"/>
+          </a:effectRef>
+          <a:fontRef idx="minor">
+            <a:schemeClr val="lt1"/>
+          </a:fontRef>
+        </p:style>
+        <p:txBody>
+          <a:bodyPr rtlCol="0" anchor="ctr"/>
+          <a:lstStyle/>
+          <a:p>
+            <a:pPr algn="ctr"/>
+            <a:r>
+              <a:rPr lang="ko-KR" altLang="en-US" dirty="0"/>
+              <a:t>방 만들기</a:t>
+            </a:r>
+          </a:p>
+        </p:txBody>
+      </p:sp>
+      <p:sp>
+        <p:nvSpPr>
+          <p:cNvPr id="11" name="타원 10">
+            <a:extLst>
+              <a:ext uri="{FF2B5EF4-FFF2-40B4-BE49-F238E27FC236}">
+                <a16:creationId xmlns:a16="http://schemas.microsoft.com/office/drawing/2014/main" id="{B1410F72-EFDE-A974-2534-C0FDA4E25A40}"/>
+              </a:ext>
+            </a:extLst>
+          </p:cNvPr>
+          <p:cNvSpPr/>
+          <p:nvPr/>
+        </p:nvSpPr>
+        <p:spPr>
+          <a:xfrm>
+            <a:off x="2582427" y="1182774"/>
+            <a:ext cx="2411604" cy="2411604"/>
+          </a:xfrm>
+          <a:prstGeom prst="ellipse">
+            <a:avLst/>
+          </a:prstGeom>
+        </p:spPr>
+        <p:style>
+          <a:lnRef idx="1">
+            <a:schemeClr val="dk1"/>
+          </a:lnRef>
+          <a:fillRef idx="2">
+            <a:schemeClr val="dk1"/>
+          </a:fillRef>
+          <a:effectRef idx="1">
+            <a:schemeClr val="dk1"/>
+          </a:effectRef>
+          <a:fontRef idx="minor">
+            <a:schemeClr val="dk1"/>
+          </a:fontRef>
+        </p:style>
+        <p:txBody>
+          <a:bodyPr rtlCol="0" anchor="ctr"/>
+          <a:lstStyle/>
+          <a:p>
+            <a:pPr algn="ctr"/>
+            <a:r>
+              <a:rPr lang="ko-KR" altLang="en-US" dirty="0"/>
+              <a:t>본인 학교</a:t>
+            </a:r>
+            <a:br>
+              <a:rPr lang="en-US" altLang="ko-KR" dirty="0"/>
+            </a:br>
+            <a:r>
+              <a:rPr lang="ko-KR" altLang="en-US" dirty="0" err="1"/>
+              <a:t>엠블럼</a:t>
+            </a:r>
+            <a:endParaRPr lang="ko-KR" altLang="en-US" dirty="0"/>
+          </a:p>
+        </p:txBody>
+      </p:sp>
+      <p:sp>
+        <p:nvSpPr>
+          <p:cNvPr id="2" name="직사각형 1">
+            <a:extLst>
+              <a:ext uri="{FF2B5EF4-FFF2-40B4-BE49-F238E27FC236}">
+                <a16:creationId xmlns:a16="http://schemas.microsoft.com/office/drawing/2014/main" id="{09A5C415-D986-0A2A-AD5B-4CABD95ECBEC}"/>
+              </a:ext>
+            </a:extLst>
+          </p:cNvPr>
+          <p:cNvSpPr/>
+          <p:nvPr/>
+        </p:nvSpPr>
+        <p:spPr>
+          <a:xfrm>
+            <a:off x="411802" y="522513"/>
+            <a:ext cx="1457191" cy="502418"/>
+          </a:xfrm>
+          <a:prstGeom prst="rect">
+            <a:avLst/>
+          </a:prstGeom>
+        </p:spPr>
+        <p:style>
+          <a:lnRef idx="2">
+            <a:schemeClr val="accent1">
+              <a:shade val="15000"/>
+            </a:schemeClr>
+          </a:lnRef>
+          <a:fillRef idx="1">
+            <a:schemeClr val="accent1"/>
+          </a:fillRef>
+          <a:effectRef idx="0">
+            <a:schemeClr val="accent1"/>
+          </a:effectRef>
+          <a:fontRef idx="minor">
+            <a:schemeClr val="lt1"/>
+          </a:fontRef>
+        </p:style>
+        <p:txBody>
+          <a:bodyPr rtlCol="0" anchor="ctr"/>
+          <a:lstStyle/>
+          <a:p>
+            <a:pPr algn="ctr"/>
+            <a:r>
+              <a:rPr lang="ko-KR" altLang="en-US" dirty="0"/>
+              <a:t>로비</a:t>
+            </a:r>
+          </a:p>
+        </p:txBody>
+      </p:sp>
     </p:spTree>
     <p:extLst>
       <p:ext uri="{BB962C8B-B14F-4D97-AF65-F5344CB8AC3E}">
-        <p14:creationId xmlns:p14="http://schemas.microsoft.com/office/powerpoint/2010/main" val="546300017"/>
+        <p14:creationId xmlns:p14="http://schemas.microsoft.com/office/powerpoint/2010/main" val="2913148477"/>
       </p:ext>
     </p:extLst>
   </p:cSld>
@@ -4009,10 +4472,10 @@
       </p:pic>
       <p:sp>
         <p:nvSpPr>
-          <p:cNvPr id="7" name="직사각형 6">
-            <a:extLst>
-              <a:ext uri="{FF2B5EF4-FFF2-40B4-BE49-F238E27FC236}">
-                <a16:creationId xmlns:a16="http://schemas.microsoft.com/office/drawing/2014/main" id="{9C92CE8A-B259-71DD-1281-68C6B5DC3BB7}"/>
+          <p:cNvPr id="2" name="직사각형 1">
+            <a:extLst>
+              <a:ext uri="{FF2B5EF4-FFF2-40B4-BE49-F238E27FC236}">
+                <a16:creationId xmlns:a16="http://schemas.microsoft.com/office/drawing/2014/main" id="{8516A714-B758-303C-C79F-595978B44193}"/>
               </a:ext>
             </a:extLst>
           </p:cNvPr>
@@ -4051,17 +4514,22 @@
             <a:pPr algn="ctr"/>
             <a:r>
               <a:rPr lang="ko-KR" altLang="en-US" dirty="0"/>
-              <a:t>전체 게시판</a:t>
-            </a:r>
-          </a:p>
-        </p:txBody>
-      </p:sp>
-      <p:sp>
-        <p:nvSpPr>
-          <p:cNvPr id="3" name="직사각형 2">
-            <a:extLst>
-              <a:ext uri="{FF2B5EF4-FFF2-40B4-BE49-F238E27FC236}">
-                <a16:creationId xmlns:a16="http://schemas.microsoft.com/office/drawing/2014/main" id="{2345B54A-3614-E0E5-3157-014D3D139510}"/>
+              <a:t>게임 </a:t>
+            </a:r>
+            <a:r>
+              <a:rPr lang="ko-KR" altLang="en-US" dirty="0" err="1"/>
+              <a:t>대기방</a:t>
+            </a:r>
+            <a:endParaRPr lang="ko-KR" altLang="en-US" dirty="0"/>
+          </a:p>
+        </p:txBody>
+      </p:sp>
+      <p:sp>
+        <p:nvSpPr>
+          <p:cNvPr id="7" name="타원 6">
+            <a:extLst>
+              <a:ext uri="{FF2B5EF4-FFF2-40B4-BE49-F238E27FC236}">
+                <a16:creationId xmlns:a16="http://schemas.microsoft.com/office/drawing/2014/main" id="{CAA664EC-9DAE-689E-673C-7742E8B5E7A4}"/>
               </a:ext>
             </a:extLst>
           </p:cNvPr>
@@ -4070,22 +4538,22 @@
         </p:nvSpPr>
         <p:spPr>
           <a:xfrm>
-            <a:off x="2915324" y="4834935"/>
-            <a:ext cx="2783394" cy="502418"/>
-          </a:xfrm>
-          <a:prstGeom prst="rect">
+            <a:off x="2800671" y="1165975"/>
+            <a:ext cx="1245997" cy="1230924"/>
+          </a:xfrm>
+          <a:prstGeom prst="ellipse">
             <a:avLst/>
           </a:prstGeom>
         </p:spPr>
         <p:style>
-          <a:lnRef idx="2">
-            <a:schemeClr val="accent6"/>
+          <a:lnRef idx="1">
+            <a:schemeClr val="dk1"/>
           </a:lnRef>
-          <a:fillRef idx="1">
-            <a:schemeClr val="lt1"/>
+          <a:fillRef idx="2">
+            <a:schemeClr val="dk1"/>
           </a:fillRef>
-          <a:effectRef idx="0">
-            <a:schemeClr val="accent6"/>
+          <a:effectRef idx="1">
+            <a:schemeClr val="dk1"/>
           </a:effectRef>
           <a:fontRef idx="minor">
             <a:schemeClr val="dk1"/>
@@ -4098,17 +4566,22 @@
             <a:pPr algn="ctr"/>
             <a:r>
               <a:rPr lang="ko-KR" altLang="en-US" dirty="0"/>
-              <a:t>채팅 입력 창</a:t>
-            </a:r>
-          </a:p>
-        </p:txBody>
-      </p:sp>
-      <p:sp>
-        <p:nvSpPr>
-          <p:cNvPr id="10" name="직사각형 9">
-            <a:extLst>
-              <a:ext uri="{FF2B5EF4-FFF2-40B4-BE49-F238E27FC236}">
-                <a16:creationId xmlns:a16="http://schemas.microsoft.com/office/drawing/2014/main" id="{2C6328A5-7FFD-C4CC-E80D-DCBF0A7CBDC7}"/>
+              <a:t>학교 </a:t>
+            </a:r>
+            <a:r>
+              <a:rPr lang="ko-KR" altLang="en-US" dirty="0" err="1"/>
+              <a:t>엠블럼</a:t>
+            </a:r>
+            <a:endParaRPr lang="ko-KR" altLang="en-US" dirty="0"/>
+          </a:p>
+        </p:txBody>
+      </p:sp>
+      <p:sp>
+        <p:nvSpPr>
+          <p:cNvPr id="8" name="타원 7">
+            <a:extLst>
+              <a:ext uri="{FF2B5EF4-FFF2-40B4-BE49-F238E27FC236}">
+                <a16:creationId xmlns:a16="http://schemas.microsoft.com/office/drawing/2014/main" id="{23D9BBE4-225D-41B2-F509-D610C807DEF7}"/>
               </a:ext>
             </a:extLst>
           </p:cNvPr>
@@ -4117,22 +4590,269 @@
         </p:nvSpPr>
         <p:spPr>
           <a:xfrm>
-            <a:off x="2897455" y="1009858"/>
-            <a:ext cx="2783394" cy="3552093"/>
+            <a:off x="2800671" y="2564371"/>
+            <a:ext cx="1245997" cy="1230924"/>
+          </a:xfrm>
+          <a:prstGeom prst="ellipse">
+            <a:avLst/>
+          </a:prstGeom>
+        </p:spPr>
+        <p:style>
+          <a:lnRef idx="1">
+            <a:schemeClr val="dk1"/>
+          </a:lnRef>
+          <a:fillRef idx="2">
+            <a:schemeClr val="dk1"/>
+          </a:fillRef>
+          <a:effectRef idx="1">
+            <a:schemeClr val="dk1"/>
+          </a:effectRef>
+          <a:fontRef idx="minor">
+            <a:schemeClr val="dk1"/>
+          </a:fontRef>
+        </p:style>
+        <p:txBody>
+          <a:bodyPr rtlCol="0" anchor="ctr"/>
+          <a:lstStyle/>
+          <a:p>
+            <a:pPr algn="ctr"/>
+            <a:r>
+              <a:rPr lang="ko-KR" altLang="en-US" dirty="0"/>
+              <a:t>학교 </a:t>
+            </a:r>
+            <a:r>
+              <a:rPr lang="ko-KR" altLang="en-US" dirty="0" err="1"/>
+              <a:t>엠블럼</a:t>
+            </a:r>
+            <a:endParaRPr lang="ko-KR" altLang="en-US" dirty="0"/>
+          </a:p>
+        </p:txBody>
+      </p:sp>
+      <p:sp>
+        <p:nvSpPr>
+          <p:cNvPr id="9" name="타원 8">
+            <a:extLst>
+              <a:ext uri="{FF2B5EF4-FFF2-40B4-BE49-F238E27FC236}">
+                <a16:creationId xmlns:a16="http://schemas.microsoft.com/office/drawing/2014/main" id="{270B5CE9-99F1-9BAC-497C-BBBE0D193DFF}"/>
+              </a:ext>
+            </a:extLst>
+          </p:cNvPr>
+          <p:cNvSpPr/>
+          <p:nvPr/>
+        </p:nvSpPr>
+        <p:spPr>
+          <a:xfrm>
+            <a:off x="2800671" y="3962767"/>
+            <a:ext cx="1245997" cy="1230924"/>
+          </a:xfrm>
+          <a:prstGeom prst="ellipse">
+            <a:avLst/>
+          </a:prstGeom>
+        </p:spPr>
+        <p:style>
+          <a:lnRef idx="1">
+            <a:schemeClr val="dk1"/>
+          </a:lnRef>
+          <a:fillRef idx="2">
+            <a:schemeClr val="dk1"/>
+          </a:fillRef>
+          <a:effectRef idx="1">
+            <a:schemeClr val="dk1"/>
+          </a:effectRef>
+          <a:fontRef idx="minor">
+            <a:schemeClr val="dk1"/>
+          </a:fontRef>
+        </p:style>
+        <p:txBody>
+          <a:bodyPr rtlCol="0" anchor="ctr"/>
+          <a:lstStyle/>
+          <a:p>
+            <a:pPr algn="ctr"/>
+            <a:r>
+              <a:rPr lang="ko-KR" altLang="en-US" dirty="0"/>
+              <a:t>학교 </a:t>
+            </a:r>
+            <a:r>
+              <a:rPr lang="ko-KR" altLang="en-US" dirty="0" err="1"/>
+              <a:t>엠블럼</a:t>
+            </a:r>
+            <a:endParaRPr lang="ko-KR" altLang="en-US" dirty="0"/>
+          </a:p>
+        </p:txBody>
+      </p:sp>
+      <p:sp>
+        <p:nvSpPr>
+          <p:cNvPr id="10" name="사각형: 둥근 모서리 9">
+            <a:extLst>
+              <a:ext uri="{FF2B5EF4-FFF2-40B4-BE49-F238E27FC236}">
+                <a16:creationId xmlns:a16="http://schemas.microsoft.com/office/drawing/2014/main" id="{E2591B4E-67CD-51F4-0BA0-4BC5ED0D0C05}"/>
+              </a:ext>
+            </a:extLst>
+          </p:cNvPr>
+          <p:cNvSpPr/>
+          <p:nvPr/>
+        </p:nvSpPr>
+        <p:spPr>
+          <a:xfrm>
+            <a:off x="4470098" y="1547261"/>
+            <a:ext cx="2174488" cy="468351"/>
+          </a:xfrm>
+          <a:prstGeom prst="roundRect">
+            <a:avLst/>
+          </a:prstGeom>
+        </p:spPr>
+        <p:style>
+          <a:lnRef idx="1">
+            <a:schemeClr val="dk1"/>
+          </a:lnRef>
+          <a:fillRef idx="2">
+            <a:schemeClr val="dk1"/>
+          </a:fillRef>
+          <a:effectRef idx="1">
+            <a:schemeClr val="dk1"/>
+          </a:effectRef>
+          <a:fontRef idx="minor">
+            <a:schemeClr val="dk1"/>
+          </a:fontRef>
+        </p:style>
+        <p:txBody>
+          <a:bodyPr rtlCol="0" anchor="ctr"/>
+          <a:lstStyle/>
+          <a:p>
+            <a:pPr algn="ctr"/>
+            <a:r>
+              <a:rPr lang="ko-KR" altLang="en-US" dirty="0"/>
+              <a:t>아이디</a:t>
+            </a:r>
+          </a:p>
+        </p:txBody>
+      </p:sp>
+      <p:sp>
+        <p:nvSpPr>
+          <p:cNvPr id="11" name="사각형: 둥근 모서리 10">
+            <a:extLst>
+              <a:ext uri="{FF2B5EF4-FFF2-40B4-BE49-F238E27FC236}">
+                <a16:creationId xmlns:a16="http://schemas.microsoft.com/office/drawing/2014/main" id="{C65E695A-3C11-F72B-2B93-D4CCAFCA2B00}"/>
+              </a:ext>
+            </a:extLst>
+          </p:cNvPr>
+          <p:cNvSpPr/>
+          <p:nvPr/>
+        </p:nvSpPr>
+        <p:spPr>
+          <a:xfrm>
+            <a:off x="4470098" y="2903994"/>
+            <a:ext cx="2174488" cy="468351"/>
+          </a:xfrm>
+          <a:prstGeom prst="roundRect">
+            <a:avLst/>
+          </a:prstGeom>
+        </p:spPr>
+        <p:style>
+          <a:lnRef idx="1">
+            <a:schemeClr val="dk1"/>
+          </a:lnRef>
+          <a:fillRef idx="2">
+            <a:schemeClr val="dk1"/>
+          </a:fillRef>
+          <a:effectRef idx="1">
+            <a:schemeClr val="dk1"/>
+          </a:effectRef>
+          <a:fontRef idx="minor">
+            <a:schemeClr val="dk1"/>
+          </a:fontRef>
+        </p:style>
+        <p:txBody>
+          <a:bodyPr rtlCol="0" anchor="ctr"/>
+          <a:lstStyle/>
+          <a:p>
+            <a:pPr algn="ctr"/>
+            <a:r>
+              <a:rPr lang="ko-KR" altLang="en-US" dirty="0"/>
+              <a:t>아이디</a:t>
+            </a:r>
+          </a:p>
+        </p:txBody>
+      </p:sp>
+      <p:sp>
+        <p:nvSpPr>
+          <p:cNvPr id="12" name="사각형: 둥근 모서리 11">
+            <a:extLst>
+              <a:ext uri="{FF2B5EF4-FFF2-40B4-BE49-F238E27FC236}">
+                <a16:creationId xmlns:a16="http://schemas.microsoft.com/office/drawing/2014/main" id="{0FAF1203-2736-8566-54C9-18F03CB7E0F2}"/>
+              </a:ext>
+            </a:extLst>
+          </p:cNvPr>
+          <p:cNvSpPr/>
+          <p:nvPr/>
+        </p:nvSpPr>
+        <p:spPr>
+          <a:xfrm>
+            <a:off x="4496118" y="4344053"/>
+            <a:ext cx="2174488" cy="468351"/>
+          </a:xfrm>
+          <a:prstGeom prst="roundRect">
+            <a:avLst/>
+          </a:prstGeom>
+        </p:spPr>
+        <p:style>
+          <a:lnRef idx="1">
+            <a:schemeClr val="dk1"/>
+          </a:lnRef>
+          <a:fillRef idx="2">
+            <a:schemeClr val="dk1"/>
+          </a:fillRef>
+          <a:effectRef idx="1">
+            <a:schemeClr val="dk1"/>
+          </a:effectRef>
+          <a:fontRef idx="minor">
+            <a:schemeClr val="dk1"/>
+          </a:fontRef>
+        </p:style>
+        <p:txBody>
+          <a:bodyPr rtlCol="0" anchor="ctr"/>
+          <a:lstStyle/>
+          <a:p>
+            <a:pPr algn="ctr"/>
+            <a:r>
+              <a:rPr lang="ko-KR" altLang="en-US" dirty="0"/>
+              <a:t>아이디</a:t>
+            </a:r>
+          </a:p>
+        </p:txBody>
+      </p:sp>
+      <p:sp>
+        <p:nvSpPr>
+          <p:cNvPr id="13" name="직사각형 12">
+            <a:extLst>
+              <a:ext uri="{FF2B5EF4-FFF2-40B4-BE49-F238E27FC236}">
+                <a16:creationId xmlns:a16="http://schemas.microsoft.com/office/drawing/2014/main" id="{506BADA2-CEF0-806A-5E04-F0C785B257E3}"/>
+              </a:ext>
+            </a:extLst>
+          </p:cNvPr>
+          <p:cNvSpPr/>
+          <p:nvPr/>
+        </p:nvSpPr>
+        <p:spPr>
+          <a:xfrm>
+            <a:off x="7672039" y="4344053"/>
+            <a:ext cx="1159727" cy="849638"/>
           </a:xfrm>
           <a:prstGeom prst="rect">
             <a:avLst/>
           </a:prstGeom>
         </p:spPr>
         <p:style>
-          <a:lnRef idx="0">
-            <a:schemeClr val="accent4"/>
+          <a:lnRef idx="2">
+            <a:schemeClr val="accent1">
+              <a:shade val="15000"/>
+            </a:schemeClr>
           </a:lnRef>
-          <a:fillRef idx="3">
-            <a:schemeClr val="accent4"/>
+          <a:fillRef idx="1">
+            <a:schemeClr val="accent1"/>
           </a:fillRef>
-          <a:effectRef idx="3">
-            <a:schemeClr val="accent4"/>
+          <a:effectRef idx="0">
+            <a:schemeClr val="accent1"/>
           </a:effectRef>
           <a:fontRef idx="minor">
             <a:schemeClr val="lt1"/>
@@ -4145,7 +4865,7 @@
             <a:pPr algn="ctr"/>
             <a:r>
               <a:rPr lang="ko-KR" altLang="en-US" dirty="0"/>
-              <a:t>전체 게시판 채팅 창</a:t>
+              <a:t>준비완료</a:t>
             </a:r>
           </a:p>
         </p:txBody>
@@ -4153,7 +4873,7 @@
     </p:spTree>
     <p:extLst>
       <p:ext uri="{BB962C8B-B14F-4D97-AF65-F5344CB8AC3E}">
-        <p14:creationId xmlns:p14="http://schemas.microsoft.com/office/powerpoint/2010/main" val="4203452159"/>
+        <p14:creationId xmlns:p14="http://schemas.microsoft.com/office/powerpoint/2010/main" val="546300017"/>
       </p:ext>
     </p:extLst>
   </p:cSld>
@@ -4254,7 +4974,7 @@
             <a:pPr algn="ctr"/>
             <a:r>
               <a:rPr lang="ko-KR" altLang="en-US" dirty="0"/>
-              <a:t>학교 게시판</a:t>
+              <a:t>전체 게시판</a:t>
             </a:r>
           </a:p>
         </p:txBody>
@@ -4348,15 +5068,171 @@
             <a:pPr algn="ctr"/>
             <a:r>
               <a:rPr lang="ko-KR" altLang="en-US" dirty="0"/>
-              <a:t>학교 게시판 채팅 창</a:t>
-            </a:r>
+              <a:t>전체 게시판 채팅 창</a:t>
+            </a:r>
+          </a:p>
+        </p:txBody>
+      </p:sp>
+      <p:sp>
+        <p:nvSpPr>
+          <p:cNvPr id="2" name="타원 1">
+            <a:extLst>
+              <a:ext uri="{FF2B5EF4-FFF2-40B4-BE49-F238E27FC236}">
+                <a16:creationId xmlns:a16="http://schemas.microsoft.com/office/drawing/2014/main" id="{3D48F462-56C7-4D51-D9D5-6C92B196913B}"/>
+              </a:ext>
+            </a:extLst>
+          </p:cNvPr>
+          <p:cNvSpPr/>
+          <p:nvPr/>
+        </p:nvSpPr>
+        <p:spPr>
+          <a:xfrm>
+            <a:off x="6893168" y="1009858"/>
+            <a:ext cx="1245997" cy="1230924"/>
+          </a:xfrm>
+          <a:prstGeom prst="ellipse">
+            <a:avLst/>
+          </a:prstGeom>
+        </p:spPr>
+        <p:style>
+          <a:lnRef idx="1">
+            <a:schemeClr val="dk1"/>
+          </a:lnRef>
+          <a:fillRef idx="2">
+            <a:schemeClr val="dk1"/>
+          </a:fillRef>
+          <a:effectRef idx="1">
+            <a:schemeClr val="dk1"/>
+          </a:effectRef>
+          <a:fontRef idx="minor">
+            <a:schemeClr val="dk1"/>
+          </a:fontRef>
+        </p:style>
+        <p:txBody>
+          <a:bodyPr rtlCol="0" anchor="ctr"/>
+          <a:lstStyle/>
+          <a:p>
+            <a:pPr algn="ctr"/>
+            <a:r>
+              <a:rPr lang="ko-KR" altLang="en-US" dirty="0"/>
+              <a:t>학교 </a:t>
+            </a:r>
+            <a:r>
+              <a:rPr lang="ko-KR" altLang="en-US" dirty="0" err="1"/>
+              <a:t>엠블럼</a:t>
+            </a:r>
+            <a:endParaRPr lang="ko-KR" altLang="en-US" dirty="0"/>
+          </a:p>
+        </p:txBody>
+      </p:sp>
+      <p:sp>
+        <p:nvSpPr>
+          <p:cNvPr id="5" name="타원 4">
+            <a:extLst>
+              <a:ext uri="{FF2B5EF4-FFF2-40B4-BE49-F238E27FC236}">
+                <a16:creationId xmlns:a16="http://schemas.microsoft.com/office/drawing/2014/main" id="{7E66A0A7-15CD-14DA-D4AC-2B21E27B93F9}"/>
+              </a:ext>
+            </a:extLst>
+          </p:cNvPr>
+          <p:cNvSpPr/>
+          <p:nvPr/>
+        </p:nvSpPr>
+        <p:spPr>
+          <a:xfrm>
+            <a:off x="6893168" y="2408254"/>
+            <a:ext cx="1245997" cy="1230924"/>
+          </a:xfrm>
+          <a:prstGeom prst="ellipse">
+            <a:avLst/>
+          </a:prstGeom>
+        </p:spPr>
+        <p:style>
+          <a:lnRef idx="1">
+            <a:schemeClr val="dk1"/>
+          </a:lnRef>
+          <a:fillRef idx="2">
+            <a:schemeClr val="dk1"/>
+          </a:fillRef>
+          <a:effectRef idx="1">
+            <a:schemeClr val="dk1"/>
+          </a:effectRef>
+          <a:fontRef idx="minor">
+            <a:schemeClr val="dk1"/>
+          </a:fontRef>
+        </p:style>
+        <p:txBody>
+          <a:bodyPr rtlCol="0" anchor="ctr"/>
+          <a:lstStyle/>
+          <a:p>
+            <a:pPr algn="ctr"/>
+            <a:r>
+              <a:rPr lang="ko-KR" altLang="en-US" dirty="0"/>
+              <a:t>학교 </a:t>
+            </a:r>
+            <a:r>
+              <a:rPr lang="ko-KR" altLang="en-US" dirty="0" err="1"/>
+              <a:t>엠블럼</a:t>
+            </a:r>
+            <a:endParaRPr lang="ko-KR" altLang="en-US" dirty="0"/>
+          </a:p>
+        </p:txBody>
+      </p:sp>
+      <p:sp>
+        <p:nvSpPr>
+          <p:cNvPr id="6" name="타원 5">
+            <a:extLst>
+              <a:ext uri="{FF2B5EF4-FFF2-40B4-BE49-F238E27FC236}">
+                <a16:creationId xmlns:a16="http://schemas.microsoft.com/office/drawing/2014/main" id="{49AB36FD-6891-E461-61BA-85B8BABC23A7}"/>
+              </a:ext>
+            </a:extLst>
+          </p:cNvPr>
+          <p:cNvSpPr/>
+          <p:nvPr/>
+        </p:nvSpPr>
+        <p:spPr>
+          <a:xfrm>
+            <a:off x="6893168" y="3806650"/>
+            <a:ext cx="1245997" cy="1230924"/>
+          </a:xfrm>
+          <a:prstGeom prst="ellipse">
+            <a:avLst/>
+          </a:prstGeom>
+        </p:spPr>
+        <p:style>
+          <a:lnRef idx="1">
+            <a:schemeClr val="dk1"/>
+          </a:lnRef>
+          <a:fillRef idx="2">
+            <a:schemeClr val="dk1"/>
+          </a:fillRef>
+          <a:effectRef idx="1">
+            <a:schemeClr val="dk1"/>
+          </a:effectRef>
+          <a:fontRef idx="minor">
+            <a:schemeClr val="dk1"/>
+          </a:fontRef>
+        </p:style>
+        <p:txBody>
+          <a:bodyPr rtlCol="0" anchor="ctr"/>
+          <a:lstStyle/>
+          <a:p>
+            <a:pPr algn="ctr"/>
+            <a:r>
+              <a:rPr lang="ko-KR" altLang="en-US" dirty="0"/>
+              <a:t>학교 </a:t>
+            </a:r>
+            <a:r>
+              <a:rPr lang="ko-KR" altLang="en-US" dirty="0" err="1"/>
+              <a:t>엠블럼</a:t>
+            </a:r>
+            <a:endParaRPr lang="ko-KR" altLang="en-US" dirty="0"/>
           </a:p>
         </p:txBody>
       </p:sp>
     </p:spTree>
     <p:extLst>
       <p:ext uri="{BB962C8B-B14F-4D97-AF65-F5344CB8AC3E}">
-        <p14:creationId xmlns:p14="http://schemas.microsoft.com/office/powerpoint/2010/main" val="779052256"/>
+        <p14:creationId xmlns:p14="http://schemas.microsoft.com/office/powerpoint/2010/main" val="4203452159"/>
       </p:ext>
     </p:extLst>
   </p:cSld>
@@ -4383,12 +5259,42 @@
           <a:chExt cx="0" cy="0"/>
         </a:xfrm>
       </p:grpSpPr>
-      <p:sp>
-        <p:nvSpPr>
-          <p:cNvPr id="24" name="타원 23">
-            <a:extLst>
-              <a:ext uri="{FF2B5EF4-FFF2-40B4-BE49-F238E27FC236}">
-                <a16:creationId xmlns:a16="http://schemas.microsoft.com/office/drawing/2014/main" id="{CBA96EB2-B799-C922-6B90-6B1D7742BFE3}"/>
+      <p:pic>
+        <p:nvPicPr>
+          <p:cNvPr id="4" name="그림 3">
+            <a:extLst>
+              <a:ext uri="{FF2B5EF4-FFF2-40B4-BE49-F238E27FC236}">
+                <a16:creationId xmlns:a16="http://schemas.microsoft.com/office/drawing/2014/main" id="{54542043-F639-53BB-DD52-318B775231D3}"/>
+              </a:ext>
+            </a:extLst>
+          </p:cNvPr>
+          <p:cNvPicPr>
+            <a:picLocks noChangeAspect="1"/>
+          </p:cNvPicPr>
+          <p:nvPr/>
+        </p:nvPicPr>
+        <p:blipFill>
+          <a:blip r:embed="rId2"/>
+          <a:stretch>
+            <a:fillRect/>
+          </a:stretch>
+        </p:blipFill>
+        <p:spPr>
+          <a:xfrm>
+            <a:off x="2102892" y="522513"/>
+            <a:ext cx="7191653" cy="5400989"/>
+          </a:xfrm>
+          <a:prstGeom prst="rect">
+            <a:avLst/>
+          </a:prstGeom>
+        </p:spPr>
+      </p:pic>
+      <p:sp>
+        <p:nvSpPr>
+          <p:cNvPr id="7" name="직사각형 6">
+            <a:extLst>
+              <a:ext uri="{FF2B5EF4-FFF2-40B4-BE49-F238E27FC236}">
+                <a16:creationId xmlns:a16="http://schemas.microsoft.com/office/drawing/2014/main" id="{9C92CE8A-B259-71DD-1281-68C6B5DC3BB7}"/>
               </a:ext>
             </a:extLst>
           </p:cNvPr>
@@ -4397,13 +5303,12 @@
         </p:nvSpPr>
         <p:spPr>
           <a:xfrm>
-            <a:off x="9573566" y="4936253"/>
-            <a:ext cx="1047542" cy="1002322"/>
-          </a:xfrm>
-          <a:prstGeom prst="ellipse">
-            <a:avLst/>
-          </a:prstGeom>
-          <a:noFill/>
+            <a:off x="411802" y="522513"/>
+            <a:ext cx="1457191" cy="502418"/>
+          </a:xfrm>
+          <a:prstGeom prst="rect">
+            <a:avLst/>
+          </a:prstGeom>
         </p:spPr>
         <p:style>
           <a:lnRef idx="2">
@@ -4427,22 +5332,18 @@
           <a:p>
             <a:pPr algn="ctr"/>
             <a:r>
-              <a:rPr lang="ko-KR" altLang="en-US" dirty="0">
-                <a:solidFill>
-                  <a:srgbClr val="FF0000"/>
-                </a:solidFill>
-              </a:rPr>
-              <a:t>스킬</a:t>
-            </a:r>
-          </a:p>
-        </p:txBody>
-      </p:sp>
-      <p:sp>
-        <p:nvSpPr>
-          <p:cNvPr id="4" name="직사각형 3">
-            <a:extLst>
-              <a:ext uri="{FF2B5EF4-FFF2-40B4-BE49-F238E27FC236}">
-                <a16:creationId xmlns:a16="http://schemas.microsoft.com/office/drawing/2014/main" id="{632EA61F-ECD6-3088-E114-412C9FC3FF46}"/>
+              <a:rPr lang="ko-KR" altLang="en-US" dirty="0"/>
+              <a:t>학교 게시판</a:t>
+            </a:r>
+          </a:p>
+        </p:txBody>
+      </p:sp>
+      <p:sp>
+        <p:nvSpPr>
+          <p:cNvPr id="3" name="직사각형 2">
+            <a:extLst>
+              <a:ext uri="{FF2B5EF4-FFF2-40B4-BE49-F238E27FC236}">
+                <a16:creationId xmlns:a16="http://schemas.microsoft.com/office/drawing/2014/main" id="{2345B54A-3614-E0E5-3157-014D3D139510}"/>
               </a:ext>
             </a:extLst>
           </p:cNvPr>
@@ -4451,13 +5352,221 @@
         </p:nvSpPr>
         <p:spPr>
           <a:xfrm>
-            <a:off x="793820" y="572756"/>
-            <a:ext cx="10389995" cy="5576835"/>
+            <a:off x="2915324" y="4834935"/>
+            <a:ext cx="2783394" cy="502418"/>
           </a:xfrm>
           <a:prstGeom prst="rect">
             <a:avLst/>
           </a:prstGeom>
-          <a:noFill/>
+        </p:spPr>
+        <p:style>
+          <a:lnRef idx="2">
+            <a:schemeClr val="accent6"/>
+          </a:lnRef>
+          <a:fillRef idx="1">
+            <a:schemeClr val="lt1"/>
+          </a:fillRef>
+          <a:effectRef idx="0">
+            <a:schemeClr val="accent6"/>
+          </a:effectRef>
+          <a:fontRef idx="minor">
+            <a:schemeClr val="dk1"/>
+          </a:fontRef>
+        </p:style>
+        <p:txBody>
+          <a:bodyPr rtlCol="0" anchor="ctr"/>
+          <a:lstStyle/>
+          <a:p>
+            <a:pPr algn="ctr"/>
+            <a:r>
+              <a:rPr lang="ko-KR" altLang="en-US" dirty="0"/>
+              <a:t>채팅 입력 창</a:t>
+            </a:r>
+          </a:p>
+        </p:txBody>
+      </p:sp>
+      <p:sp>
+        <p:nvSpPr>
+          <p:cNvPr id="10" name="직사각형 9">
+            <a:extLst>
+              <a:ext uri="{FF2B5EF4-FFF2-40B4-BE49-F238E27FC236}">
+                <a16:creationId xmlns:a16="http://schemas.microsoft.com/office/drawing/2014/main" id="{2C6328A5-7FFD-C4CC-E80D-DCBF0A7CBDC7}"/>
+              </a:ext>
+            </a:extLst>
+          </p:cNvPr>
+          <p:cNvSpPr/>
+          <p:nvPr/>
+        </p:nvSpPr>
+        <p:spPr>
+          <a:xfrm>
+            <a:off x="2897455" y="1009858"/>
+            <a:ext cx="2783394" cy="3552093"/>
+          </a:xfrm>
+          <a:prstGeom prst="rect">
+            <a:avLst/>
+          </a:prstGeom>
+        </p:spPr>
+        <p:style>
+          <a:lnRef idx="0">
+            <a:schemeClr val="accent4"/>
+          </a:lnRef>
+          <a:fillRef idx="3">
+            <a:schemeClr val="accent4"/>
+          </a:fillRef>
+          <a:effectRef idx="3">
+            <a:schemeClr val="accent4"/>
+          </a:effectRef>
+          <a:fontRef idx="minor">
+            <a:schemeClr val="lt1"/>
+          </a:fontRef>
+        </p:style>
+        <p:txBody>
+          <a:bodyPr rtlCol="0" anchor="ctr"/>
+          <a:lstStyle/>
+          <a:p>
+            <a:pPr algn="ctr"/>
+            <a:r>
+              <a:rPr lang="ko-KR" altLang="en-US" dirty="0"/>
+              <a:t>학교 게시판 채팅 창</a:t>
+            </a:r>
+          </a:p>
+        </p:txBody>
+      </p:sp>
+      <p:sp>
+        <p:nvSpPr>
+          <p:cNvPr id="2" name="타원 1">
+            <a:extLst>
+              <a:ext uri="{FF2B5EF4-FFF2-40B4-BE49-F238E27FC236}">
+                <a16:creationId xmlns:a16="http://schemas.microsoft.com/office/drawing/2014/main" id="{B6623A5A-2FA8-5132-94D6-929F77D20078}"/>
+              </a:ext>
+            </a:extLst>
+          </p:cNvPr>
+          <p:cNvSpPr/>
+          <p:nvPr/>
+        </p:nvSpPr>
+        <p:spPr>
+          <a:xfrm>
+            <a:off x="6281895" y="1825868"/>
+            <a:ext cx="2411604" cy="2411604"/>
+          </a:xfrm>
+          <a:prstGeom prst="ellipse">
+            <a:avLst/>
+          </a:prstGeom>
+        </p:spPr>
+        <p:style>
+          <a:lnRef idx="1">
+            <a:schemeClr val="dk1"/>
+          </a:lnRef>
+          <a:fillRef idx="2">
+            <a:schemeClr val="dk1"/>
+          </a:fillRef>
+          <a:effectRef idx="1">
+            <a:schemeClr val="dk1"/>
+          </a:effectRef>
+          <a:fontRef idx="minor">
+            <a:schemeClr val="dk1"/>
+          </a:fontRef>
+        </p:style>
+        <p:txBody>
+          <a:bodyPr rtlCol="0" anchor="ctr"/>
+          <a:lstStyle/>
+          <a:p>
+            <a:pPr algn="ctr"/>
+            <a:r>
+              <a:rPr lang="ko-KR" altLang="en-US" dirty="0"/>
+              <a:t>본인 학교</a:t>
+            </a:r>
+            <a:br>
+              <a:rPr lang="en-US" altLang="ko-KR" dirty="0"/>
+            </a:br>
+            <a:r>
+              <a:rPr lang="ko-KR" altLang="en-US" dirty="0" err="1"/>
+              <a:t>엠블럼</a:t>
+            </a:r>
+            <a:endParaRPr lang="ko-KR" altLang="en-US" dirty="0"/>
+          </a:p>
+        </p:txBody>
+      </p:sp>
+    </p:spTree>
+    <p:extLst>
+      <p:ext uri="{BB962C8B-B14F-4D97-AF65-F5344CB8AC3E}">
+        <p14:creationId xmlns:p14="http://schemas.microsoft.com/office/powerpoint/2010/main" val="779052256"/>
+      </p:ext>
+    </p:extLst>
+  </p:cSld>
+  <p:clrMapOvr>
+    <a:masterClrMapping/>
+  </p:clrMapOvr>
+</p:sld>
+</file>
+
+<file path=ppt/slides/slide7.xml><?xml version="1.0" encoding="utf-8"?>
+<p:sld xmlns:a="http://schemas.openxmlformats.org/drawingml/2006/main" xmlns:r="http://schemas.openxmlformats.org/officeDocument/2006/relationships" xmlns:p="http://schemas.openxmlformats.org/presentationml/2006/main">
+  <p:cSld>
+    <p:spTree>
+      <p:nvGrpSpPr>
+        <p:cNvPr id="1" name=""/>
+        <p:cNvGrpSpPr/>
+        <p:nvPr/>
+      </p:nvGrpSpPr>
+      <p:grpSpPr>
+        <a:xfrm>
+          <a:off x="0" y="0"/>
+          <a:ext cx="0" cy="0"/>
+          <a:chOff x="0" y="0"/>
+          <a:chExt cx="0" cy="0"/>
+        </a:xfrm>
+      </p:grpSpPr>
+      <p:pic>
+        <p:nvPicPr>
+          <p:cNvPr id="4" name="그림 3">
+            <a:extLst>
+              <a:ext uri="{FF2B5EF4-FFF2-40B4-BE49-F238E27FC236}">
+                <a16:creationId xmlns:a16="http://schemas.microsoft.com/office/drawing/2014/main" id="{54542043-F639-53BB-DD52-318B775231D3}"/>
+              </a:ext>
+            </a:extLst>
+          </p:cNvPr>
+          <p:cNvPicPr>
+            <a:picLocks noChangeAspect="1"/>
+          </p:cNvPicPr>
+          <p:nvPr/>
+        </p:nvPicPr>
+        <p:blipFill>
+          <a:blip r:embed="rId2"/>
+          <a:stretch>
+            <a:fillRect/>
+          </a:stretch>
+        </p:blipFill>
+        <p:spPr>
+          <a:xfrm>
+            <a:off x="2102892" y="522513"/>
+            <a:ext cx="7191653" cy="5400989"/>
+          </a:xfrm>
+          <a:prstGeom prst="rect">
+            <a:avLst/>
+          </a:prstGeom>
+        </p:spPr>
+      </p:pic>
+      <p:sp>
+        <p:nvSpPr>
+          <p:cNvPr id="7" name="직사각형 6">
+            <a:extLst>
+              <a:ext uri="{FF2B5EF4-FFF2-40B4-BE49-F238E27FC236}">
+                <a16:creationId xmlns:a16="http://schemas.microsoft.com/office/drawing/2014/main" id="{9C92CE8A-B259-71DD-1281-68C6B5DC3BB7}"/>
+              </a:ext>
+            </a:extLst>
+          </p:cNvPr>
+          <p:cNvSpPr/>
+          <p:nvPr/>
+        </p:nvSpPr>
+        <p:spPr>
+          <a:xfrm>
+            <a:off x="411802" y="522513"/>
+            <a:ext cx="1457191" cy="502418"/>
+          </a:xfrm>
+          <a:prstGeom prst="rect">
+            <a:avLst/>
+          </a:prstGeom>
         </p:spPr>
         <p:style>
           <a:lnRef idx="2">
@@ -4480,16 +5589,19 @@
           <a:lstStyle/>
           <a:p>
             <a:pPr algn="ctr"/>
-            <a:endParaRPr lang="ko-KR" altLang="en-US"/>
-          </a:p>
-        </p:txBody>
-      </p:sp>
-      <p:sp>
-        <p:nvSpPr>
-          <p:cNvPr id="5" name="타원 4">
-            <a:extLst>
-              <a:ext uri="{FF2B5EF4-FFF2-40B4-BE49-F238E27FC236}">
-                <a16:creationId xmlns:a16="http://schemas.microsoft.com/office/drawing/2014/main" id="{D3E84806-7D7D-344C-12FA-9906B4854076}"/>
+            <a:r>
+              <a:rPr lang="ko-KR" altLang="en-US" dirty="0"/>
+              <a:t>친구 추가</a:t>
+            </a:r>
+          </a:p>
+        </p:txBody>
+      </p:sp>
+      <p:sp>
+        <p:nvSpPr>
+          <p:cNvPr id="3" name="직사각형 2">
+            <a:extLst>
+              <a:ext uri="{FF2B5EF4-FFF2-40B4-BE49-F238E27FC236}">
+                <a16:creationId xmlns:a16="http://schemas.microsoft.com/office/drawing/2014/main" id="{2345B54A-3614-E0E5-3157-014D3D139510}"/>
               </a:ext>
             </a:extLst>
           </p:cNvPr>
@@ -4498,10 +5610,65 @@
         </p:nvSpPr>
         <p:spPr>
           <a:xfrm>
-            <a:off x="1008185" y="708409"/>
-            <a:ext cx="499068" cy="477296"/>
-          </a:xfrm>
-          <a:prstGeom prst="ellipse">
+            <a:off x="2915324" y="4834935"/>
+            <a:ext cx="2783394" cy="502418"/>
+          </a:xfrm>
+          <a:prstGeom prst="rect">
+            <a:avLst/>
+          </a:prstGeom>
+        </p:spPr>
+        <p:style>
+          <a:lnRef idx="2">
+            <a:schemeClr val="accent6"/>
+          </a:lnRef>
+          <a:fillRef idx="1">
+            <a:schemeClr val="lt1"/>
+          </a:fillRef>
+          <a:effectRef idx="0">
+            <a:schemeClr val="accent6"/>
+          </a:effectRef>
+          <a:fontRef idx="minor">
+            <a:schemeClr val="dk1"/>
+          </a:fontRef>
+        </p:style>
+        <p:txBody>
+          <a:bodyPr rtlCol="0" anchor="ctr"/>
+          <a:lstStyle/>
+          <a:p>
+            <a:pPr algn="ctr"/>
+            <a:r>
+              <a:rPr lang="ko-KR" altLang="en-US" dirty="0"/>
+              <a:t>친구 </a:t>
+            </a:r>
+            <a:r>
+              <a:rPr lang="en-US" altLang="ko-KR" dirty="0"/>
+              <a:t>id </a:t>
+            </a:r>
+            <a:r>
+              <a:rPr lang="ko-KR" altLang="en-US" dirty="0"/>
+              <a:t>입력 창</a:t>
+            </a:r>
+          </a:p>
+        </p:txBody>
+      </p:sp>
+      <p:sp>
+        <p:nvSpPr>
+          <p:cNvPr id="5" name="직사각형 4">
+            <a:extLst>
+              <a:ext uri="{FF2B5EF4-FFF2-40B4-BE49-F238E27FC236}">
+                <a16:creationId xmlns:a16="http://schemas.microsoft.com/office/drawing/2014/main" id="{3C072624-CE1A-B3DC-BD9E-CEB7B46279C2}"/>
+              </a:ext>
+            </a:extLst>
+          </p:cNvPr>
+          <p:cNvSpPr/>
+          <p:nvPr/>
+        </p:nvSpPr>
+        <p:spPr>
+          <a:xfrm>
+            <a:off x="6096000" y="4834935"/>
+            <a:ext cx="1457191" cy="502418"/>
+          </a:xfrm>
+          <a:prstGeom prst="rect">
             <a:avLst/>
           </a:prstGeom>
         </p:spPr>
@@ -4526,16 +5693,19 @@
           <a:lstStyle/>
           <a:p>
             <a:pPr algn="ctr"/>
-            <a:endParaRPr lang="ko-KR" altLang="en-US"/>
-          </a:p>
-        </p:txBody>
-      </p:sp>
-      <p:sp>
-        <p:nvSpPr>
-          <p:cNvPr id="7" name="타원 6">
-            <a:extLst>
-              <a:ext uri="{FF2B5EF4-FFF2-40B4-BE49-F238E27FC236}">
-                <a16:creationId xmlns:a16="http://schemas.microsoft.com/office/drawing/2014/main" id="{DB41F7BD-0BF3-E190-6674-6974F5DC2F6D}"/>
+            <a:r>
+              <a:rPr lang="ko-KR" altLang="en-US" dirty="0"/>
+              <a:t>추가 버튼</a:t>
+            </a:r>
+          </a:p>
+        </p:txBody>
+      </p:sp>
+      <p:sp>
+        <p:nvSpPr>
+          <p:cNvPr id="6" name="직사각형 5">
+            <a:extLst>
+              <a:ext uri="{FF2B5EF4-FFF2-40B4-BE49-F238E27FC236}">
+                <a16:creationId xmlns:a16="http://schemas.microsoft.com/office/drawing/2014/main" id="{269D9A19-0827-0154-1B3E-25381BCBFA74}"/>
               </a:ext>
             </a:extLst>
           </p:cNvPr>
@@ -4544,12 +5714,90 @@
         </p:nvSpPr>
         <p:spPr>
           <a:xfrm>
-            <a:off x="1008185" y="1914209"/>
-            <a:ext cx="499068" cy="477296"/>
+            <a:off x="2915323" y="869795"/>
+            <a:ext cx="4637868" cy="3378991"/>
+          </a:xfrm>
+          <a:prstGeom prst="rect">
+            <a:avLst/>
+          </a:prstGeom>
+        </p:spPr>
+        <p:style>
+          <a:lnRef idx="2">
+            <a:schemeClr val="accent1"/>
+          </a:lnRef>
+          <a:fillRef idx="1">
+            <a:schemeClr val="lt1"/>
+          </a:fillRef>
+          <a:effectRef idx="0">
+            <a:schemeClr val="accent1"/>
+          </a:effectRef>
+          <a:fontRef idx="minor">
+            <a:schemeClr val="dk1"/>
+          </a:fontRef>
+        </p:style>
+        <p:txBody>
+          <a:bodyPr rtlCol="0" anchor="ctr"/>
+          <a:lstStyle/>
+          <a:p>
+            <a:pPr algn="ctr"/>
+            <a:r>
+              <a:rPr lang="ko-KR" altLang="en-US" dirty="0"/>
+              <a:t>친구 목록</a:t>
+            </a:r>
+          </a:p>
+        </p:txBody>
+      </p:sp>
+    </p:spTree>
+    <p:extLst>
+      <p:ext uri="{BB962C8B-B14F-4D97-AF65-F5344CB8AC3E}">
+        <p14:creationId xmlns:p14="http://schemas.microsoft.com/office/powerpoint/2010/main" val="2768605830"/>
+      </p:ext>
+    </p:extLst>
+  </p:cSld>
+  <p:clrMapOvr>
+    <a:masterClrMapping/>
+  </p:clrMapOvr>
+</p:sld>
+</file>
+
+<file path=ppt/slides/slide8.xml><?xml version="1.0" encoding="utf-8"?>
+<p:sld xmlns:a="http://schemas.openxmlformats.org/drawingml/2006/main" xmlns:r="http://schemas.openxmlformats.org/officeDocument/2006/relationships" xmlns:p="http://schemas.openxmlformats.org/presentationml/2006/main">
+  <p:cSld>
+    <p:spTree>
+      <p:nvGrpSpPr>
+        <p:cNvPr id="1" name=""/>
+        <p:cNvGrpSpPr/>
+        <p:nvPr/>
+      </p:nvGrpSpPr>
+      <p:grpSpPr>
+        <a:xfrm>
+          <a:off x="0" y="0"/>
+          <a:ext cx="0" cy="0"/>
+          <a:chOff x="0" y="0"/>
+          <a:chExt cx="0" cy="0"/>
+        </a:xfrm>
+      </p:grpSpPr>
+      <p:sp>
+        <p:nvSpPr>
+          <p:cNvPr id="24" name="타원 23">
+            <a:extLst>
+              <a:ext uri="{FF2B5EF4-FFF2-40B4-BE49-F238E27FC236}">
+                <a16:creationId xmlns:a16="http://schemas.microsoft.com/office/drawing/2014/main" id="{CBA96EB2-B799-C922-6B90-6B1D7742BFE3}"/>
+              </a:ext>
+            </a:extLst>
+          </p:cNvPr>
+          <p:cNvSpPr/>
+          <p:nvPr/>
+        </p:nvSpPr>
+        <p:spPr>
+          <a:xfrm>
+            <a:off x="9573566" y="4936253"/>
+            <a:ext cx="1047542" cy="1002322"/>
           </a:xfrm>
           <a:prstGeom prst="ellipse">
             <a:avLst/>
           </a:prstGeom>
+          <a:noFill/>
         </p:spPr>
         <p:style>
           <a:lnRef idx="2">
@@ -4572,16 +5820,23 @@
           <a:lstStyle/>
           <a:p>
             <a:pPr algn="ctr"/>
-            <a:endParaRPr lang="ko-KR" altLang="en-US"/>
-          </a:p>
-        </p:txBody>
-      </p:sp>
-      <p:sp>
-        <p:nvSpPr>
-          <p:cNvPr id="8" name="직사각형 7">
-            <a:extLst>
-              <a:ext uri="{FF2B5EF4-FFF2-40B4-BE49-F238E27FC236}">
-                <a16:creationId xmlns:a16="http://schemas.microsoft.com/office/drawing/2014/main" id="{184CFCF1-305B-CB44-BB3B-BC6277D9393A}"/>
+            <a:r>
+              <a:rPr lang="ko-KR" altLang="en-US" dirty="0">
+                <a:solidFill>
+                  <a:srgbClr val="FF0000"/>
+                </a:solidFill>
+              </a:rPr>
+              <a:t>스킬</a:t>
+            </a:r>
+          </a:p>
+        </p:txBody>
+      </p:sp>
+      <p:sp>
+        <p:nvSpPr>
+          <p:cNvPr id="4" name="직사각형 3">
+            <a:extLst>
+              <a:ext uri="{FF2B5EF4-FFF2-40B4-BE49-F238E27FC236}">
+                <a16:creationId xmlns:a16="http://schemas.microsoft.com/office/drawing/2014/main" id="{632EA61F-ECD6-3088-E114-412C9FC3FF46}"/>
               </a:ext>
             </a:extLst>
           </p:cNvPr>
@@ -4590,12 +5845,13 @@
         </p:nvSpPr>
         <p:spPr>
           <a:xfrm>
-            <a:off x="925706" y="4089678"/>
-            <a:ext cx="2538883" cy="1848897"/>
+            <a:off x="793820" y="572756"/>
+            <a:ext cx="10389995" cy="5576835"/>
           </a:xfrm>
           <a:prstGeom prst="rect">
             <a:avLst/>
           </a:prstGeom>
+          <a:noFill/>
         </p:spPr>
         <p:style>
           <a:lnRef idx="2">
@@ -4618,19 +5874,16 @@
           <a:lstStyle/>
           <a:p>
             <a:pPr algn="ctr"/>
-            <a:r>
-              <a:rPr lang="ko-KR" altLang="en-US" dirty="0"/>
-              <a:t>채팅</a:t>
-            </a:r>
-          </a:p>
-        </p:txBody>
-      </p:sp>
-      <p:sp>
-        <p:nvSpPr>
-          <p:cNvPr id="14" name="타원 13">
-            <a:extLst>
-              <a:ext uri="{FF2B5EF4-FFF2-40B4-BE49-F238E27FC236}">
-                <a16:creationId xmlns:a16="http://schemas.microsoft.com/office/drawing/2014/main" id="{CAF21064-EF55-4DE2-BFED-CE2DC15C0400}"/>
+            <a:endParaRPr lang="ko-KR" altLang="en-US"/>
+          </a:p>
+        </p:txBody>
+      </p:sp>
+      <p:sp>
+        <p:nvSpPr>
+          <p:cNvPr id="5" name="타원 4">
+            <a:extLst>
+              <a:ext uri="{FF2B5EF4-FFF2-40B4-BE49-F238E27FC236}">
+                <a16:creationId xmlns:a16="http://schemas.microsoft.com/office/drawing/2014/main" id="{D3E84806-7D7D-344C-12FA-9906B4854076}"/>
               </a:ext>
             </a:extLst>
           </p:cNvPr>
@@ -4639,7 +5892,7 @@
         </p:nvSpPr>
         <p:spPr>
           <a:xfrm>
-            <a:off x="1008185" y="1311309"/>
+            <a:off x="1008185" y="708409"/>
             <a:ext cx="499068" cy="477296"/>
           </a:xfrm>
           <a:prstGeom prst="ellipse">
@@ -4673,10 +5926,10 @@
       </p:sp>
       <p:sp>
         <p:nvSpPr>
-          <p:cNvPr id="16" name="타원 15">
-            <a:extLst>
-              <a:ext uri="{FF2B5EF4-FFF2-40B4-BE49-F238E27FC236}">
-                <a16:creationId xmlns:a16="http://schemas.microsoft.com/office/drawing/2014/main" id="{1CF0C8E6-BE0A-BCFD-CF89-8A5F8E4D4240}"/>
+          <p:cNvPr id="7" name="타원 6">
+            <a:extLst>
+              <a:ext uri="{FF2B5EF4-FFF2-40B4-BE49-F238E27FC236}">
+                <a16:creationId xmlns:a16="http://schemas.microsoft.com/office/drawing/2014/main" id="{DB41F7BD-0BF3-E190-6674-6974F5DC2F6D}"/>
               </a:ext>
             </a:extLst>
           </p:cNvPr>
@@ -4685,7 +5938,7 @@
         </p:nvSpPr>
         <p:spPr>
           <a:xfrm>
-            <a:off x="6243377" y="5426110"/>
+            <a:off x="1008185" y="1914209"/>
             <a:ext cx="499068" cy="477296"/>
           </a:xfrm>
           <a:prstGeom prst="ellipse">
@@ -4719,10 +5972,10 @@
       </p:sp>
       <p:sp>
         <p:nvSpPr>
-          <p:cNvPr id="17" name="타원 16">
-            <a:extLst>
-              <a:ext uri="{FF2B5EF4-FFF2-40B4-BE49-F238E27FC236}">
-                <a16:creationId xmlns:a16="http://schemas.microsoft.com/office/drawing/2014/main" id="{27A6A074-6712-99DA-02FC-9B53CFED35DA}"/>
+          <p:cNvPr id="8" name="직사각형 7">
+            <a:extLst>
+              <a:ext uri="{FF2B5EF4-FFF2-40B4-BE49-F238E27FC236}">
+                <a16:creationId xmlns:a16="http://schemas.microsoft.com/office/drawing/2014/main" id="{184CFCF1-305B-CB44-BB3B-BC6277D9393A}"/>
               </a:ext>
             </a:extLst>
           </p:cNvPr>
@@ -4731,10 +5984,10 @@
         </p:nvSpPr>
         <p:spPr>
           <a:xfrm>
-            <a:off x="4605495" y="5426110"/>
-            <a:ext cx="499068" cy="477296"/>
-          </a:xfrm>
-          <a:prstGeom prst="ellipse">
+            <a:off x="925706" y="4089678"/>
+            <a:ext cx="2538883" cy="1848897"/>
+          </a:xfrm>
+          <a:prstGeom prst="rect">
             <a:avLst/>
           </a:prstGeom>
         </p:spPr>
@@ -4759,16 +6012,19 @@
           <a:lstStyle/>
           <a:p>
             <a:pPr algn="ctr"/>
-            <a:endParaRPr lang="ko-KR" altLang="en-US"/>
-          </a:p>
-        </p:txBody>
-      </p:sp>
-      <p:sp>
-        <p:nvSpPr>
-          <p:cNvPr id="18" name="타원 17">
-            <a:extLst>
-              <a:ext uri="{FF2B5EF4-FFF2-40B4-BE49-F238E27FC236}">
-                <a16:creationId xmlns:a16="http://schemas.microsoft.com/office/drawing/2014/main" id="{BC2782CE-402F-630F-BBBF-4CAB897DCD42}"/>
+            <a:r>
+              <a:rPr lang="ko-KR" altLang="en-US" dirty="0"/>
+              <a:t>채팅</a:t>
+            </a:r>
+          </a:p>
+        </p:txBody>
+      </p:sp>
+      <p:sp>
+        <p:nvSpPr>
+          <p:cNvPr id="14" name="타원 13">
+            <a:extLst>
+              <a:ext uri="{FF2B5EF4-FFF2-40B4-BE49-F238E27FC236}">
+                <a16:creationId xmlns:a16="http://schemas.microsoft.com/office/drawing/2014/main" id="{CAF21064-EF55-4DE2-BFED-CE2DC15C0400}"/>
               </a:ext>
             </a:extLst>
           </p:cNvPr>
@@ -4777,7 +6033,7 @@
         </p:nvSpPr>
         <p:spPr>
           <a:xfrm>
-            <a:off x="5154805" y="5426110"/>
+            <a:off x="1008185" y="1311309"/>
             <a:ext cx="499068" cy="477296"/>
           </a:xfrm>
           <a:prstGeom prst="ellipse">
@@ -4811,10 +6067,10 @@
       </p:sp>
       <p:sp>
         <p:nvSpPr>
-          <p:cNvPr id="19" name="타원 18">
-            <a:extLst>
-              <a:ext uri="{FF2B5EF4-FFF2-40B4-BE49-F238E27FC236}">
-                <a16:creationId xmlns:a16="http://schemas.microsoft.com/office/drawing/2014/main" id="{B96805CA-E4E5-8E4F-4269-08872A31EBA4}"/>
+          <p:cNvPr id="16" name="타원 15">
+            <a:extLst>
+              <a:ext uri="{FF2B5EF4-FFF2-40B4-BE49-F238E27FC236}">
+                <a16:creationId xmlns:a16="http://schemas.microsoft.com/office/drawing/2014/main" id="{1CF0C8E6-BE0A-BCFD-CF89-8A5F8E4D4240}"/>
               </a:ext>
             </a:extLst>
           </p:cNvPr>
@@ -4823,7 +6079,7 @@
         </p:nvSpPr>
         <p:spPr>
           <a:xfrm>
-            <a:off x="5699091" y="5426110"/>
+            <a:off x="6243377" y="5426110"/>
             <a:ext cx="499068" cy="477296"/>
           </a:xfrm>
           <a:prstGeom prst="ellipse">
@@ -4857,10 +6113,10 @@
       </p:sp>
       <p:sp>
         <p:nvSpPr>
-          <p:cNvPr id="20" name="타원 19">
-            <a:extLst>
-              <a:ext uri="{FF2B5EF4-FFF2-40B4-BE49-F238E27FC236}">
-                <a16:creationId xmlns:a16="http://schemas.microsoft.com/office/drawing/2014/main" id="{6F138BC6-4B16-4F03-943E-B04FE3EA7B09}"/>
+          <p:cNvPr id="17" name="타원 16">
+            <a:extLst>
+              <a:ext uri="{FF2B5EF4-FFF2-40B4-BE49-F238E27FC236}">
+                <a16:creationId xmlns:a16="http://schemas.microsoft.com/office/drawing/2014/main" id="{27A6A074-6712-99DA-02FC-9B53CFED35DA}"/>
               </a:ext>
             </a:extLst>
           </p:cNvPr>
@@ -4869,7 +6125,7 @@
         </p:nvSpPr>
         <p:spPr>
           <a:xfrm>
-            <a:off x="10363198" y="5461279"/>
+            <a:off x="4605495" y="5426110"/>
             <a:ext cx="499068" cy="477296"/>
           </a:xfrm>
           <a:prstGeom prst="ellipse">
@@ -4903,10 +6159,10 @@
       </p:sp>
       <p:sp>
         <p:nvSpPr>
-          <p:cNvPr id="21" name="타원 20">
-            <a:extLst>
-              <a:ext uri="{FF2B5EF4-FFF2-40B4-BE49-F238E27FC236}">
-                <a16:creationId xmlns:a16="http://schemas.microsoft.com/office/drawing/2014/main" id="{77BC7291-F693-007D-7E2B-616F00046BD3}"/>
+          <p:cNvPr id="18" name="타원 17">
+            <a:extLst>
+              <a:ext uri="{FF2B5EF4-FFF2-40B4-BE49-F238E27FC236}">
+                <a16:creationId xmlns:a16="http://schemas.microsoft.com/office/drawing/2014/main" id="{BC2782CE-402F-630F-BBBF-4CAB897DCD42}"/>
               </a:ext>
             </a:extLst>
           </p:cNvPr>
@@ -4915,7 +6171,7 @@
         </p:nvSpPr>
         <p:spPr>
           <a:xfrm>
-            <a:off x="9324032" y="5461279"/>
+            <a:off x="5154805" y="5426110"/>
             <a:ext cx="499068" cy="477296"/>
           </a:xfrm>
           <a:prstGeom prst="ellipse">
@@ -4949,10 +6205,10 @@
       </p:sp>
       <p:sp>
         <p:nvSpPr>
-          <p:cNvPr id="22" name="타원 21">
-            <a:extLst>
-              <a:ext uri="{FF2B5EF4-FFF2-40B4-BE49-F238E27FC236}">
-                <a16:creationId xmlns:a16="http://schemas.microsoft.com/office/drawing/2014/main" id="{0B7B384D-1735-CB47-8A17-185ED0803FBB}"/>
+          <p:cNvPr id="19" name="타원 18">
+            <a:extLst>
+              <a:ext uri="{FF2B5EF4-FFF2-40B4-BE49-F238E27FC236}">
+                <a16:creationId xmlns:a16="http://schemas.microsoft.com/office/drawing/2014/main" id="{B96805CA-E4E5-8E4F-4269-08872A31EBA4}"/>
               </a:ext>
             </a:extLst>
           </p:cNvPr>
@@ -4961,7 +6217,7 @@
         </p:nvSpPr>
         <p:spPr>
           <a:xfrm>
-            <a:off x="9823100" y="4697605"/>
+            <a:off x="5699091" y="5426110"/>
             <a:ext cx="499068" cy="477296"/>
           </a:xfrm>
           <a:prstGeom prst="ellipse">
@@ -4995,10 +6251,10 @@
       </p:sp>
       <p:sp>
         <p:nvSpPr>
-          <p:cNvPr id="23" name="타원 22">
-            <a:extLst>
-              <a:ext uri="{FF2B5EF4-FFF2-40B4-BE49-F238E27FC236}">
-                <a16:creationId xmlns:a16="http://schemas.microsoft.com/office/drawing/2014/main" id="{9BA5F9D2-265E-CCF3-10A9-714F6E6F9719}"/>
+          <p:cNvPr id="20" name="타원 19">
+            <a:extLst>
+              <a:ext uri="{FF2B5EF4-FFF2-40B4-BE49-F238E27FC236}">
+                <a16:creationId xmlns:a16="http://schemas.microsoft.com/office/drawing/2014/main" id="{6F138BC6-4B16-4F03-943E-B04FE3EA7B09}"/>
               </a:ext>
             </a:extLst>
           </p:cNvPr>
@@ -5007,7 +6263,7 @@
         </p:nvSpPr>
         <p:spPr>
           <a:xfrm>
-            <a:off x="6798967" y="5426110"/>
+            <a:off x="10363198" y="5461279"/>
             <a:ext cx="499068" cy="477296"/>
           </a:xfrm>
           <a:prstGeom prst="ellipse">
@@ -5041,53 +6297,10 @@
       </p:sp>
       <p:sp>
         <p:nvSpPr>
-          <p:cNvPr id="25" name="TextBox 24">
-            <a:extLst>
-              <a:ext uri="{FF2B5EF4-FFF2-40B4-BE49-F238E27FC236}">
-                <a16:creationId xmlns:a16="http://schemas.microsoft.com/office/drawing/2014/main" id="{9AD39FF2-BB41-5F5D-AD3E-D4BE56B8CF5D}"/>
-              </a:ext>
-            </a:extLst>
-          </p:cNvPr>
-          <p:cNvSpPr txBox="1"/>
-          <p:nvPr/>
-        </p:nvSpPr>
-        <p:spPr>
-          <a:xfrm>
-            <a:off x="4605495" y="6159646"/>
-            <a:ext cx="2461845" cy="369332"/>
-          </a:xfrm>
-          <a:prstGeom prst="rect">
-            <a:avLst/>
-          </a:prstGeom>
-          <a:noFill/>
-        </p:spPr>
-        <p:txBody>
-          <a:bodyPr wrap="square" rtlCol="0">
-            <a:spAutoFit/>
-          </a:bodyPr>
-          <a:lstStyle/>
-          <a:p>
-            <a:r>
-              <a:rPr lang="ko-KR" altLang="en-US" dirty="0"/>
-              <a:t>물약 </a:t>
-            </a:r>
-            <a:r>
-              <a:rPr lang="en-US" altLang="ko-KR" dirty="0"/>
-              <a:t>4</a:t>
-            </a:r>
-            <a:r>
-              <a:rPr lang="ko-KR" altLang="en-US" dirty="0"/>
-              <a:t>종</a:t>
-            </a:r>
-          </a:p>
-        </p:txBody>
-      </p:sp>
-      <p:sp>
-        <p:nvSpPr>
-          <p:cNvPr id="29" name="타원 28">
-            <a:extLst>
-              <a:ext uri="{FF2B5EF4-FFF2-40B4-BE49-F238E27FC236}">
-                <a16:creationId xmlns:a16="http://schemas.microsoft.com/office/drawing/2014/main" id="{D887DCCA-5FA2-A93B-7828-04BB31F54764}"/>
+          <p:cNvPr id="21" name="타원 20">
+            <a:extLst>
+              <a:ext uri="{FF2B5EF4-FFF2-40B4-BE49-F238E27FC236}">
+                <a16:creationId xmlns:a16="http://schemas.microsoft.com/office/drawing/2014/main" id="{77BC7291-F693-007D-7E2B-616F00046BD3}"/>
               </a:ext>
             </a:extLst>
           </p:cNvPr>
@@ -5096,8 +6309,8 @@
         </p:nvSpPr>
         <p:spPr>
           <a:xfrm>
-            <a:off x="5531617" y="708409"/>
-            <a:ext cx="914400" cy="914400"/>
+            <a:off x="9324032" y="5461279"/>
+            <a:ext cx="499068" cy="477296"/>
           </a:xfrm>
           <a:prstGeom prst="ellipse">
             <a:avLst/>
@@ -5124,54 +6337,16 @@
           <a:lstStyle/>
           <a:p>
             <a:pPr algn="ctr"/>
-            <a:r>
-              <a:rPr lang="ko-KR" altLang="en-US"/>
-              <a:t>시간</a:t>
-            </a:r>
-          </a:p>
-        </p:txBody>
-      </p:sp>
-      <p:sp>
-        <p:nvSpPr>
-          <p:cNvPr id="30" name="TextBox 29">
-            <a:extLst>
-              <a:ext uri="{FF2B5EF4-FFF2-40B4-BE49-F238E27FC236}">
-                <a16:creationId xmlns:a16="http://schemas.microsoft.com/office/drawing/2014/main" id="{B19C5ABF-2053-D3B1-6B78-AD6E4D2CAEDC}"/>
-              </a:ext>
-            </a:extLst>
-          </p:cNvPr>
-          <p:cNvSpPr txBox="1"/>
-          <p:nvPr/>
-        </p:nvSpPr>
-        <p:spPr>
-          <a:xfrm>
-            <a:off x="723063" y="193369"/>
-            <a:ext cx="1611503" cy="369332"/>
-          </a:xfrm>
-          <a:prstGeom prst="rect">
-            <a:avLst/>
-          </a:prstGeom>
-          <a:noFill/>
-        </p:spPr>
-        <p:txBody>
-          <a:bodyPr wrap="square" rtlCol="0">
-            <a:spAutoFit/>
-          </a:bodyPr>
-          <a:lstStyle/>
-          <a:p>
-            <a:r>
-              <a:rPr lang="ko-KR" altLang="en-US" dirty="0"/>
-              <a:t>작은 물약</a:t>
-            </a:r>
-          </a:p>
-        </p:txBody>
-      </p:sp>
-      <p:sp>
-        <p:nvSpPr>
-          <p:cNvPr id="31" name="직사각형 30">
-            <a:extLst>
-              <a:ext uri="{FF2B5EF4-FFF2-40B4-BE49-F238E27FC236}">
-                <a16:creationId xmlns:a16="http://schemas.microsoft.com/office/drawing/2014/main" id="{B3F045B5-736C-E42D-A0E3-D0C2B45F967B}"/>
+            <a:endParaRPr lang="ko-KR" altLang="en-US"/>
+          </a:p>
+        </p:txBody>
+      </p:sp>
+      <p:sp>
+        <p:nvSpPr>
+          <p:cNvPr id="22" name="타원 21">
+            <a:extLst>
+              <a:ext uri="{FF2B5EF4-FFF2-40B4-BE49-F238E27FC236}">
+                <a16:creationId xmlns:a16="http://schemas.microsoft.com/office/drawing/2014/main" id="{0B7B384D-1735-CB47-8A17-185ED0803FBB}"/>
               </a:ext>
             </a:extLst>
           </p:cNvPr>
@@ -5180,10 +6355,10 @@
         </p:nvSpPr>
         <p:spPr>
           <a:xfrm>
-            <a:off x="4491613" y="4936253"/>
-            <a:ext cx="2954216" cy="339132"/>
-          </a:xfrm>
-          <a:prstGeom prst="rect">
+            <a:off x="9823100" y="4697605"/>
+            <a:ext cx="499068" cy="477296"/>
+          </a:xfrm>
+          <a:prstGeom prst="ellipse">
             <a:avLst/>
           </a:prstGeom>
         </p:spPr>
@@ -5208,6 +6383,225 @@
           <a:lstStyle/>
           <a:p>
             <a:pPr algn="ctr"/>
+            <a:endParaRPr lang="ko-KR" altLang="en-US"/>
+          </a:p>
+        </p:txBody>
+      </p:sp>
+      <p:sp>
+        <p:nvSpPr>
+          <p:cNvPr id="23" name="타원 22">
+            <a:extLst>
+              <a:ext uri="{FF2B5EF4-FFF2-40B4-BE49-F238E27FC236}">
+                <a16:creationId xmlns:a16="http://schemas.microsoft.com/office/drawing/2014/main" id="{9BA5F9D2-265E-CCF3-10A9-714F6E6F9719}"/>
+              </a:ext>
+            </a:extLst>
+          </p:cNvPr>
+          <p:cNvSpPr/>
+          <p:nvPr/>
+        </p:nvSpPr>
+        <p:spPr>
+          <a:xfrm>
+            <a:off x="6798967" y="5426110"/>
+            <a:ext cx="499068" cy="477296"/>
+          </a:xfrm>
+          <a:prstGeom prst="ellipse">
+            <a:avLst/>
+          </a:prstGeom>
+        </p:spPr>
+        <p:style>
+          <a:lnRef idx="2">
+            <a:schemeClr val="accent1">
+              <a:shade val="15000"/>
+            </a:schemeClr>
+          </a:lnRef>
+          <a:fillRef idx="1">
+            <a:schemeClr val="accent1"/>
+          </a:fillRef>
+          <a:effectRef idx="0">
+            <a:schemeClr val="accent1"/>
+          </a:effectRef>
+          <a:fontRef idx="minor">
+            <a:schemeClr val="lt1"/>
+          </a:fontRef>
+        </p:style>
+        <p:txBody>
+          <a:bodyPr rtlCol="0" anchor="ctr"/>
+          <a:lstStyle/>
+          <a:p>
+            <a:pPr algn="ctr"/>
+            <a:endParaRPr lang="ko-KR" altLang="en-US"/>
+          </a:p>
+        </p:txBody>
+      </p:sp>
+      <p:sp>
+        <p:nvSpPr>
+          <p:cNvPr id="25" name="TextBox 24">
+            <a:extLst>
+              <a:ext uri="{FF2B5EF4-FFF2-40B4-BE49-F238E27FC236}">
+                <a16:creationId xmlns:a16="http://schemas.microsoft.com/office/drawing/2014/main" id="{9AD39FF2-BB41-5F5D-AD3E-D4BE56B8CF5D}"/>
+              </a:ext>
+            </a:extLst>
+          </p:cNvPr>
+          <p:cNvSpPr txBox="1"/>
+          <p:nvPr/>
+        </p:nvSpPr>
+        <p:spPr>
+          <a:xfrm>
+            <a:off x="4605495" y="6159646"/>
+            <a:ext cx="2461845" cy="369332"/>
+          </a:xfrm>
+          <a:prstGeom prst="rect">
+            <a:avLst/>
+          </a:prstGeom>
+          <a:noFill/>
+        </p:spPr>
+        <p:txBody>
+          <a:bodyPr wrap="square" rtlCol="0">
+            <a:spAutoFit/>
+          </a:bodyPr>
+          <a:lstStyle/>
+          <a:p>
+            <a:r>
+              <a:rPr lang="ko-KR" altLang="en-US" dirty="0"/>
+              <a:t>물약 </a:t>
+            </a:r>
+            <a:r>
+              <a:rPr lang="en-US" altLang="ko-KR" dirty="0"/>
+              <a:t>5</a:t>
+            </a:r>
+            <a:r>
+              <a:rPr lang="ko-KR" altLang="en-US" dirty="0"/>
+              <a:t>종</a:t>
+            </a:r>
+          </a:p>
+        </p:txBody>
+      </p:sp>
+      <p:sp>
+        <p:nvSpPr>
+          <p:cNvPr id="29" name="타원 28">
+            <a:extLst>
+              <a:ext uri="{FF2B5EF4-FFF2-40B4-BE49-F238E27FC236}">
+                <a16:creationId xmlns:a16="http://schemas.microsoft.com/office/drawing/2014/main" id="{D887DCCA-5FA2-A93B-7828-04BB31F54764}"/>
+              </a:ext>
+            </a:extLst>
+          </p:cNvPr>
+          <p:cNvSpPr/>
+          <p:nvPr/>
+        </p:nvSpPr>
+        <p:spPr>
+          <a:xfrm>
+            <a:off x="5531617" y="708409"/>
+            <a:ext cx="914400" cy="914400"/>
+          </a:xfrm>
+          <a:prstGeom prst="ellipse">
+            <a:avLst/>
+          </a:prstGeom>
+        </p:spPr>
+        <p:style>
+          <a:lnRef idx="2">
+            <a:schemeClr val="accent1">
+              <a:shade val="15000"/>
+            </a:schemeClr>
+          </a:lnRef>
+          <a:fillRef idx="1">
+            <a:schemeClr val="accent1"/>
+          </a:fillRef>
+          <a:effectRef idx="0">
+            <a:schemeClr val="accent1"/>
+          </a:effectRef>
+          <a:fontRef idx="minor">
+            <a:schemeClr val="lt1"/>
+          </a:fontRef>
+        </p:style>
+        <p:txBody>
+          <a:bodyPr rtlCol="0" anchor="ctr"/>
+          <a:lstStyle/>
+          <a:p>
+            <a:pPr algn="ctr"/>
+            <a:r>
+              <a:rPr lang="ko-KR" altLang="en-US"/>
+              <a:t>시간</a:t>
+            </a:r>
+          </a:p>
+        </p:txBody>
+      </p:sp>
+      <p:sp>
+        <p:nvSpPr>
+          <p:cNvPr id="30" name="TextBox 29">
+            <a:extLst>
+              <a:ext uri="{FF2B5EF4-FFF2-40B4-BE49-F238E27FC236}">
+                <a16:creationId xmlns:a16="http://schemas.microsoft.com/office/drawing/2014/main" id="{B19C5ABF-2053-D3B1-6B78-AD6E4D2CAEDC}"/>
+              </a:ext>
+            </a:extLst>
+          </p:cNvPr>
+          <p:cNvSpPr txBox="1"/>
+          <p:nvPr/>
+        </p:nvSpPr>
+        <p:spPr>
+          <a:xfrm>
+            <a:off x="723063" y="193369"/>
+            <a:ext cx="1611503" cy="369332"/>
+          </a:xfrm>
+          <a:prstGeom prst="rect">
+            <a:avLst/>
+          </a:prstGeom>
+          <a:noFill/>
+        </p:spPr>
+        <p:txBody>
+          <a:bodyPr wrap="square" rtlCol="0">
+            <a:spAutoFit/>
+          </a:bodyPr>
+          <a:lstStyle/>
+          <a:p>
+            <a:r>
+              <a:rPr lang="ko-KR" altLang="en-US" dirty="0"/>
+              <a:t>작은 물약</a:t>
+            </a:r>
+          </a:p>
+        </p:txBody>
+      </p:sp>
+      <p:sp>
+        <p:nvSpPr>
+          <p:cNvPr id="31" name="직사각형 30">
+            <a:extLst>
+              <a:ext uri="{FF2B5EF4-FFF2-40B4-BE49-F238E27FC236}">
+                <a16:creationId xmlns:a16="http://schemas.microsoft.com/office/drawing/2014/main" id="{B3F045B5-736C-E42D-A0E3-D0C2B45F967B}"/>
+              </a:ext>
+            </a:extLst>
+          </p:cNvPr>
+          <p:cNvSpPr/>
+          <p:nvPr/>
+        </p:nvSpPr>
+        <p:spPr>
+          <a:xfrm>
+            <a:off x="4491613" y="4936253"/>
+            <a:ext cx="2954216" cy="339132"/>
+          </a:xfrm>
+          <a:prstGeom prst="rect">
+            <a:avLst/>
+          </a:prstGeom>
+        </p:spPr>
+        <p:style>
+          <a:lnRef idx="2">
+            <a:schemeClr val="accent1">
+              <a:shade val="15000"/>
+            </a:schemeClr>
+          </a:lnRef>
+          <a:fillRef idx="1">
+            <a:schemeClr val="accent1"/>
+          </a:fillRef>
+          <a:effectRef idx="0">
+            <a:schemeClr val="accent1"/>
+          </a:effectRef>
+          <a:fontRef idx="minor">
+            <a:schemeClr val="lt1"/>
+          </a:fontRef>
+        </p:style>
+        <p:txBody>
+          <a:bodyPr rtlCol="0" anchor="ctr"/>
+          <a:lstStyle/>
+          <a:p>
+            <a:pPr algn="ctr"/>
             <a:r>
               <a:rPr lang="ko-KR" altLang="en-US" dirty="0"/>
               <a:t>상호작용</a:t>
@@ -5272,6 +6666,533 @@
     <p:extLst>
       <p:ext uri="{BB962C8B-B14F-4D97-AF65-F5344CB8AC3E}">
         <p14:creationId xmlns:p14="http://schemas.microsoft.com/office/powerpoint/2010/main" val="3037186974"/>
+      </p:ext>
+    </p:extLst>
+  </p:cSld>
+  <p:clrMapOvr>
+    <a:masterClrMapping/>
+  </p:clrMapOvr>
+</p:sld>
+</file>
+
+<file path=ppt/slides/slide9.xml><?xml version="1.0" encoding="utf-8"?>
+<p:sld xmlns:a="http://schemas.openxmlformats.org/drawingml/2006/main" xmlns:r="http://schemas.openxmlformats.org/officeDocument/2006/relationships" xmlns:p="http://schemas.openxmlformats.org/presentationml/2006/main">
+  <p:cSld>
+    <p:spTree>
+      <p:nvGrpSpPr>
+        <p:cNvPr id="1" name=""/>
+        <p:cNvGrpSpPr/>
+        <p:nvPr/>
+      </p:nvGrpSpPr>
+      <p:grpSpPr>
+        <a:xfrm>
+          <a:off x="0" y="0"/>
+          <a:ext cx="0" cy="0"/>
+          <a:chOff x="0" y="0"/>
+          <a:chExt cx="0" cy="0"/>
+        </a:xfrm>
+      </p:grpSpPr>
+      <p:sp>
+        <p:nvSpPr>
+          <p:cNvPr id="4" name="직사각형 3">
+            <a:extLst>
+              <a:ext uri="{FF2B5EF4-FFF2-40B4-BE49-F238E27FC236}">
+                <a16:creationId xmlns:a16="http://schemas.microsoft.com/office/drawing/2014/main" id="{632EA61F-ECD6-3088-E114-412C9FC3FF46}"/>
+              </a:ext>
+            </a:extLst>
+          </p:cNvPr>
+          <p:cNvSpPr/>
+          <p:nvPr/>
+        </p:nvSpPr>
+        <p:spPr>
+          <a:xfrm>
+            <a:off x="793820" y="572756"/>
+            <a:ext cx="10389995" cy="5576835"/>
+          </a:xfrm>
+          <a:prstGeom prst="rect">
+            <a:avLst/>
+          </a:prstGeom>
+          <a:noFill/>
+        </p:spPr>
+        <p:style>
+          <a:lnRef idx="2">
+            <a:schemeClr val="accent1">
+              <a:shade val="15000"/>
+            </a:schemeClr>
+          </a:lnRef>
+          <a:fillRef idx="1">
+            <a:schemeClr val="accent1"/>
+          </a:fillRef>
+          <a:effectRef idx="0">
+            <a:schemeClr val="accent1"/>
+          </a:effectRef>
+          <a:fontRef idx="minor">
+            <a:schemeClr val="lt1"/>
+          </a:fontRef>
+        </p:style>
+        <p:txBody>
+          <a:bodyPr rtlCol="0" anchor="ctr"/>
+          <a:lstStyle/>
+          <a:p>
+            <a:pPr algn="ctr"/>
+            <a:endParaRPr lang="ko-KR" altLang="en-US"/>
+          </a:p>
+        </p:txBody>
+      </p:sp>
+      <p:sp>
+        <p:nvSpPr>
+          <p:cNvPr id="7" name="타원 6">
+            <a:extLst>
+              <a:ext uri="{FF2B5EF4-FFF2-40B4-BE49-F238E27FC236}">
+                <a16:creationId xmlns:a16="http://schemas.microsoft.com/office/drawing/2014/main" id="{DB41F7BD-0BF3-E190-6674-6974F5DC2F6D}"/>
+              </a:ext>
+            </a:extLst>
+          </p:cNvPr>
+          <p:cNvSpPr/>
+          <p:nvPr/>
+        </p:nvSpPr>
+        <p:spPr>
+          <a:xfrm>
+            <a:off x="2525490" y="1517596"/>
+            <a:ext cx="499068" cy="477296"/>
+          </a:xfrm>
+          <a:prstGeom prst="ellipse">
+            <a:avLst/>
+          </a:prstGeom>
+        </p:spPr>
+        <p:style>
+          <a:lnRef idx="2">
+            <a:schemeClr val="accent1">
+              <a:shade val="15000"/>
+            </a:schemeClr>
+          </a:lnRef>
+          <a:fillRef idx="1">
+            <a:schemeClr val="accent1"/>
+          </a:fillRef>
+          <a:effectRef idx="0">
+            <a:schemeClr val="accent1"/>
+          </a:effectRef>
+          <a:fontRef idx="minor">
+            <a:schemeClr val="lt1"/>
+          </a:fontRef>
+        </p:style>
+        <p:txBody>
+          <a:bodyPr rtlCol="0" anchor="ctr"/>
+          <a:lstStyle/>
+          <a:p>
+            <a:pPr algn="ctr"/>
+            <a:endParaRPr lang="ko-KR" altLang="en-US"/>
+          </a:p>
+        </p:txBody>
+      </p:sp>
+      <p:sp>
+        <p:nvSpPr>
+          <p:cNvPr id="30" name="TextBox 29">
+            <a:extLst>
+              <a:ext uri="{FF2B5EF4-FFF2-40B4-BE49-F238E27FC236}">
+                <a16:creationId xmlns:a16="http://schemas.microsoft.com/office/drawing/2014/main" id="{B19C5ABF-2053-D3B1-6B78-AD6E4D2CAEDC}"/>
+              </a:ext>
+            </a:extLst>
+          </p:cNvPr>
+          <p:cNvSpPr txBox="1"/>
+          <p:nvPr/>
+        </p:nvSpPr>
+        <p:spPr>
+          <a:xfrm>
+            <a:off x="723063" y="193369"/>
+            <a:ext cx="1611503" cy="369332"/>
+          </a:xfrm>
+          <a:prstGeom prst="rect">
+            <a:avLst/>
+          </a:prstGeom>
+          <a:noFill/>
+        </p:spPr>
+        <p:txBody>
+          <a:bodyPr wrap="square" rtlCol="0">
+            <a:spAutoFit/>
+          </a:bodyPr>
+          <a:lstStyle/>
+          <a:p>
+            <a:r>
+              <a:rPr lang="ko-KR" altLang="en-US" dirty="0"/>
+              <a:t>물약 제작</a:t>
+            </a:r>
+          </a:p>
+        </p:txBody>
+      </p:sp>
+      <p:sp>
+        <p:nvSpPr>
+          <p:cNvPr id="3" name="타원 2">
+            <a:extLst>
+              <a:ext uri="{FF2B5EF4-FFF2-40B4-BE49-F238E27FC236}">
+                <a16:creationId xmlns:a16="http://schemas.microsoft.com/office/drawing/2014/main" id="{1E347572-997C-8287-B4B9-7063862B3148}"/>
+              </a:ext>
+            </a:extLst>
+          </p:cNvPr>
+          <p:cNvSpPr/>
+          <p:nvPr/>
+        </p:nvSpPr>
+        <p:spPr>
+          <a:xfrm>
+            <a:off x="3619083" y="3928871"/>
+            <a:ext cx="914400" cy="914400"/>
+          </a:xfrm>
+          <a:prstGeom prst="ellipse">
+            <a:avLst/>
+          </a:prstGeom>
+        </p:spPr>
+        <p:style>
+          <a:lnRef idx="2">
+            <a:schemeClr val="accent1">
+              <a:shade val="15000"/>
+            </a:schemeClr>
+          </a:lnRef>
+          <a:fillRef idx="1">
+            <a:schemeClr val="accent1"/>
+          </a:fillRef>
+          <a:effectRef idx="0">
+            <a:schemeClr val="accent1"/>
+          </a:effectRef>
+          <a:fontRef idx="minor">
+            <a:schemeClr val="lt1"/>
+          </a:fontRef>
+        </p:style>
+        <p:txBody>
+          <a:bodyPr rtlCol="0" anchor="ctr"/>
+          <a:lstStyle/>
+          <a:p>
+            <a:pPr algn="ctr"/>
+            <a:endParaRPr lang="ko-KR" altLang="en-US"/>
+          </a:p>
+        </p:txBody>
+      </p:sp>
+      <p:sp>
+        <p:nvSpPr>
+          <p:cNvPr id="6" name="타원 5">
+            <a:extLst>
+              <a:ext uri="{FF2B5EF4-FFF2-40B4-BE49-F238E27FC236}">
+                <a16:creationId xmlns:a16="http://schemas.microsoft.com/office/drawing/2014/main" id="{C186AD23-057F-B159-8498-32AC00669049}"/>
+              </a:ext>
+            </a:extLst>
+          </p:cNvPr>
+          <p:cNvSpPr/>
+          <p:nvPr/>
+        </p:nvSpPr>
+        <p:spPr>
+          <a:xfrm>
+            <a:off x="5385919" y="1309465"/>
+            <a:ext cx="914400" cy="914400"/>
+          </a:xfrm>
+          <a:prstGeom prst="ellipse">
+            <a:avLst/>
+          </a:prstGeom>
+        </p:spPr>
+        <p:style>
+          <a:lnRef idx="2">
+            <a:schemeClr val="accent1">
+              <a:shade val="15000"/>
+            </a:schemeClr>
+          </a:lnRef>
+          <a:fillRef idx="1">
+            <a:schemeClr val="accent1"/>
+          </a:fillRef>
+          <a:effectRef idx="0">
+            <a:schemeClr val="accent1"/>
+          </a:effectRef>
+          <a:fontRef idx="minor">
+            <a:schemeClr val="lt1"/>
+          </a:fontRef>
+        </p:style>
+        <p:txBody>
+          <a:bodyPr rtlCol="0" anchor="ctr"/>
+          <a:lstStyle/>
+          <a:p>
+            <a:pPr algn="ctr"/>
+            <a:endParaRPr lang="ko-KR" altLang="en-US"/>
+          </a:p>
+        </p:txBody>
+      </p:sp>
+      <p:sp>
+        <p:nvSpPr>
+          <p:cNvPr id="9" name="사각형: 둥근 모서리 8">
+            <a:extLst>
+              <a:ext uri="{FF2B5EF4-FFF2-40B4-BE49-F238E27FC236}">
+                <a16:creationId xmlns:a16="http://schemas.microsoft.com/office/drawing/2014/main" id="{8C6130E6-6C26-F958-3557-45351666C081}"/>
+              </a:ext>
+            </a:extLst>
+          </p:cNvPr>
+          <p:cNvSpPr/>
+          <p:nvPr/>
+        </p:nvSpPr>
+        <p:spPr>
+          <a:xfrm>
+            <a:off x="5385919" y="2731889"/>
+            <a:ext cx="914400" cy="1426866"/>
+          </a:xfrm>
+          <a:prstGeom prst="roundRect">
+            <a:avLst/>
+          </a:prstGeom>
+        </p:spPr>
+        <p:style>
+          <a:lnRef idx="2">
+            <a:schemeClr val="accent1">
+              <a:shade val="15000"/>
+            </a:schemeClr>
+          </a:lnRef>
+          <a:fillRef idx="1">
+            <a:schemeClr val="accent1"/>
+          </a:fillRef>
+          <a:effectRef idx="0">
+            <a:schemeClr val="accent1"/>
+          </a:effectRef>
+          <a:fontRef idx="minor">
+            <a:schemeClr val="lt1"/>
+          </a:fontRef>
+        </p:style>
+        <p:txBody>
+          <a:bodyPr rtlCol="0" anchor="ctr"/>
+          <a:lstStyle/>
+          <a:p>
+            <a:pPr algn="ctr"/>
+            <a:endParaRPr lang="ko-KR" altLang="en-US"/>
+          </a:p>
+        </p:txBody>
+      </p:sp>
+      <p:sp>
+        <p:nvSpPr>
+          <p:cNvPr id="12" name="타원 11">
+            <a:extLst>
+              <a:ext uri="{FF2B5EF4-FFF2-40B4-BE49-F238E27FC236}">
+                <a16:creationId xmlns:a16="http://schemas.microsoft.com/office/drawing/2014/main" id="{D63E3876-2208-25AB-8189-EBE1BF54333F}"/>
+              </a:ext>
+            </a:extLst>
+          </p:cNvPr>
+          <p:cNvSpPr/>
+          <p:nvPr/>
+        </p:nvSpPr>
+        <p:spPr>
+          <a:xfrm>
+            <a:off x="2525490" y="2781853"/>
+            <a:ext cx="499068" cy="477296"/>
+          </a:xfrm>
+          <a:prstGeom prst="ellipse">
+            <a:avLst/>
+          </a:prstGeom>
+        </p:spPr>
+        <p:style>
+          <a:lnRef idx="2">
+            <a:schemeClr val="accent1">
+              <a:shade val="15000"/>
+            </a:schemeClr>
+          </a:lnRef>
+          <a:fillRef idx="1">
+            <a:schemeClr val="accent1"/>
+          </a:fillRef>
+          <a:effectRef idx="0">
+            <a:schemeClr val="accent1"/>
+          </a:effectRef>
+          <a:fontRef idx="minor">
+            <a:schemeClr val="lt1"/>
+          </a:fontRef>
+        </p:style>
+        <p:txBody>
+          <a:bodyPr rtlCol="0" anchor="ctr"/>
+          <a:lstStyle/>
+          <a:p>
+            <a:pPr algn="ctr"/>
+            <a:endParaRPr lang="ko-KR" altLang="en-US"/>
+          </a:p>
+        </p:txBody>
+      </p:sp>
+      <p:sp>
+        <p:nvSpPr>
+          <p:cNvPr id="13" name="타원 12">
+            <a:extLst>
+              <a:ext uri="{FF2B5EF4-FFF2-40B4-BE49-F238E27FC236}">
+                <a16:creationId xmlns:a16="http://schemas.microsoft.com/office/drawing/2014/main" id="{B3E7024C-184A-55A2-AA22-84802BF185F9}"/>
+              </a:ext>
+            </a:extLst>
+          </p:cNvPr>
+          <p:cNvSpPr/>
+          <p:nvPr/>
+        </p:nvSpPr>
+        <p:spPr>
+          <a:xfrm>
+            <a:off x="2525490" y="4188587"/>
+            <a:ext cx="499068" cy="477296"/>
+          </a:xfrm>
+          <a:prstGeom prst="ellipse">
+            <a:avLst/>
+          </a:prstGeom>
+        </p:spPr>
+        <p:style>
+          <a:lnRef idx="2">
+            <a:schemeClr val="accent1">
+              <a:shade val="15000"/>
+            </a:schemeClr>
+          </a:lnRef>
+          <a:fillRef idx="1">
+            <a:schemeClr val="accent1"/>
+          </a:fillRef>
+          <a:effectRef idx="0">
+            <a:schemeClr val="accent1"/>
+          </a:effectRef>
+          <a:fontRef idx="minor">
+            <a:schemeClr val="lt1"/>
+          </a:fontRef>
+        </p:style>
+        <p:txBody>
+          <a:bodyPr rtlCol="0" anchor="ctr"/>
+          <a:lstStyle/>
+          <a:p>
+            <a:pPr algn="ctr"/>
+            <a:endParaRPr lang="ko-KR" altLang="en-US"/>
+          </a:p>
+        </p:txBody>
+      </p:sp>
+      <p:sp>
+        <p:nvSpPr>
+          <p:cNvPr id="26" name="타원 25">
+            <a:extLst>
+              <a:ext uri="{FF2B5EF4-FFF2-40B4-BE49-F238E27FC236}">
+                <a16:creationId xmlns:a16="http://schemas.microsoft.com/office/drawing/2014/main" id="{4AFFB707-0331-A8A8-2E6B-143DC86E488A}"/>
+              </a:ext>
+            </a:extLst>
+          </p:cNvPr>
+          <p:cNvSpPr/>
+          <p:nvPr/>
+        </p:nvSpPr>
+        <p:spPr>
+          <a:xfrm>
+            <a:off x="7144378" y="3916361"/>
+            <a:ext cx="914400" cy="914400"/>
+          </a:xfrm>
+          <a:prstGeom prst="ellipse">
+            <a:avLst/>
+          </a:prstGeom>
+        </p:spPr>
+        <p:style>
+          <a:lnRef idx="2">
+            <a:schemeClr val="accent1">
+              <a:shade val="15000"/>
+            </a:schemeClr>
+          </a:lnRef>
+          <a:fillRef idx="1">
+            <a:schemeClr val="accent1"/>
+          </a:fillRef>
+          <a:effectRef idx="0">
+            <a:schemeClr val="accent1"/>
+          </a:effectRef>
+          <a:fontRef idx="minor">
+            <a:schemeClr val="lt1"/>
+          </a:fontRef>
+        </p:style>
+        <p:txBody>
+          <a:bodyPr rtlCol="0" anchor="ctr"/>
+          <a:lstStyle/>
+          <a:p>
+            <a:pPr algn="ctr"/>
+            <a:endParaRPr lang="ko-KR" altLang="en-US"/>
+          </a:p>
+        </p:txBody>
+      </p:sp>
+      <p:sp>
+        <p:nvSpPr>
+          <p:cNvPr id="27" name="직사각형 26">
+            <a:extLst>
+              <a:ext uri="{FF2B5EF4-FFF2-40B4-BE49-F238E27FC236}">
+                <a16:creationId xmlns:a16="http://schemas.microsoft.com/office/drawing/2014/main" id="{BC707A53-799B-65FF-5FE2-794DF7686173}"/>
+              </a:ext>
+            </a:extLst>
+          </p:cNvPr>
+          <p:cNvSpPr/>
+          <p:nvPr/>
+        </p:nvSpPr>
+        <p:spPr>
+          <a:xfrm>
+            <a:off x="2334566" y="5325626"/>
+            <a:ext cx="6327113" cy="643095"/>
+          </a:xfrm>
+          <a:prstGeom prst="rect">
+            <a:avLst/>
+          </a:prstGeom>
+        </p:spPr>
+        <p:style>
+          <a:lnRef idx="2">
+            <a:schemeClr val="accent1">
+              <a:shade val="15000"/>
+            </a:schemeClr>
+          </a:lnRef>
+          <a:fillRef idx="1">
+            <a:schemeClr val="accent1"/>
+          </a:fillRef>
+          <a:effectRef idx="0">
+            <a:schemeClr val="accent1"/>
+          </a:effectRef>
+          <a:fontRef idx="minor">
+            <a:schemeClr val="lt1"/>
+          </a:fontRef>
+        </p:style>
+        <p:txBody>
+          <a:bodyPr rtlCol="0" anchor="ctr"/>
+          <a:lstStyle/>
+          <a:p>
+            <a:pPr algn="ctr"/>
+            <a:endParaRPr lang="ko-KR" altLang="en-US"/>
+          </a:p>
+        </p:txBody>
+      </p:sp>
+      <p:sp>
+        <p:nvSpPr>
+          <p:cNvPr id="28" name="사각형: 둥근 모서리 27">
+            <a:extLst>
+              <a:ext uri="{FF2B5EF4-FFF2-40B4-BE49-F238E27FC236}">
+                <a16:creationId xmlns:a16="http://schemas.microsoft.com/office/drawing/2014/main" id="{7EDAFD4C-6C8B-A02D-ADC0-DC9B4DEB5BB3}"/>
+              </a:ext>
+            </a:extLst>
+          </p:cNvPr>
+          <p:cNvSpPr/>
+          <p:nvPr/>
+        </p:nvSpPr>
+        <p:spPr>
+          <a:xfrm>
+            <a:off x="2090057" y="974690"/>
+            <a:ext cx="6702251" cy="4170066"/>
+          </a:xfrm>
+          <a:prstGeom prst="roundRect">
+            <a:avLst/>
+          </a:prstGeom>
+          <a:noFill/>
+        </p:spPr>
+        <p:style>
+          <a:lnRef idx="2">
+            <a:schemeClr val="accent1">
+              <a:shade val="15000"/>
+            </a:schemeClr>
+          </a:lnRef>
+          <a:fillRef idx="1">
+            <a:schemeClr val="accent1"/>
+          </a:fillRef>
+          <a:effectRef idx="0">
+            <a:schemeClr val="accent1"/>
+          </a:effectRef>
+          <a:fontRef idx="minor">
+            <a:schemeClr val="lt1"/>
+          </a:fontRef>
+        </p:style>
+        <p:txBody>
+          <a:bodyPr rtlCol="0" anchor="ctr"/>
+          <a:lstStyle/>
+          <a:p>
+            <a:pPr algn="ctr"/>
+            <a:endParaRPr lang="ko-KR" altLang="en-US"/>
+          </a:p>
+        </p:txBody>
+      </p:sp>
+    </p:spTree>
+    <p:extLst>
+      <p:ext uri="{BB962C8B-B14F-4D97-AF65-F5344CB8AC3E}">
+        <p14:creationId xmlns:p14="http://schemas.microsoft.com/office/powerpoint/2010/main" val="3183998777"/>
       </p:ext>
     </p:extLst>
   </p:cSld>
